--- a/docs/files/ldow2017.pptx
+++ b/docs/files/ldow2017.pptx
@@ -206,9 +206,9 @@
 </file>
 
 <file path=ppt/charts/chart1.xml><?xml version="1.0" encoding="utf-8"?>
-<c:chartSpace xmlns:c="http://schemas.openxmlformats.org/drawingml/2006/chart" xmlns:a="http://schemas.openxmlformats.org/drawingml/2006/main" xmlns:r="http://schemas.openxmlformats.org/officeDocument/2006/relationships">
+<c:chartSpace xmlns:c="http://schemas.openxmlformats.org/drawingml/2006/chart" xmlns:a="http://schemas.openxmlformats.org/drawingml/2006/main" xmlns:r="http://schemas.openxmlformats.org/officeDocument/2006/relationships" xmlns:c16r2="http://schemas.microsoft.com/office/drawing/2015/06/chart">
   <c:date1904 val="0"/>
-  <c:lang val="en-US"/>
+  <c:lang val="en-GB"/>
   <c:roundedCorners val="0"/>
   <mc:AlternateContent xmlns:mc="http://schemas.openxmlformats.org/markup-compatibility/2006">
     <mc:Choice xmlns:c14="http://schemas.microsoft.com/office/drawing/2007/8/2/chart" Requires="c14">
@@ -252,6 +252,11 @@
               </a:ln>
               <a:effectLst/>
             </c:spPr>
+            <c:extLst>
+              <c:ext xmlns:c16="http://schemas.microsoft.com/office/drawing/2014/chart" uri="{C3380CC4-5D6E-409C-BE32-E72D297353CC}">
+                <c16:uniqueId val="{00000001-A5A6-E149-8C36-CB27473495A9}"/>
+              </c:ext>
+            </c:extLst>
           </c:dPt>
           <c:dPt>
             <c:idx val="11"/>
@@ -266,6 +271,11 @@
               </a:ln>
               <a:effectLst/>
             </c:spPr>
+            <c:extLst>
+              <c:ext xmlns:c16="http://schemas.microsoft.com/office/drawing/2014/chart" uri="{C3380CC4-5D6E-409C-BE32-E72D297353CC}">
+                <c16:uniqueId val="{00000003-A5A6-E149-8C36-CB27473495A9}"/>
+              </c:ext>
+            </c:extLst>
           </c:dPt>
           <c:cat>
             <c:strRef>
@@ -315,41 +325,46 @@
                 <c:formatCode>General</c:formatCode>
                 <c:ptCount val="12"/>
                 <c:pt idx="0">
-                  <c:v>3.070782E6</c:v>
+                  <c:v>3070782</c:v>
                 </c:pt>
                 <c:pt idx="2">
-                  <c:v>4.932795E6</c:v>
+                  <c:v>4932795</c:v>
                 </c:pt>
                 <c:pt idx="3">
-                  <c:v>5.1862E6</c:v>
+                  <c:v>5186200</c:v>
                 </c:pt>
                 <c:pt idx="4">
-                  <c:v>5.235075E6</c:v>
+                  <c:v>5235075</c:v>
                 </c:pt>
                 <c:pt idx="5">
-                  <c:v>5.570489E6</c:v>
+                  <c:v>5570489</c:v>
                 </c:pt>
                 <c:pt idx="6">
-                  <c:v>5.615209E6</c:v>
+                  <c:v>5615209</c:v>
                 </c:pt>
                 <c:pt idx="7">
-                  <c:v>5.615209E6</c:v>
+                  <c:v>5615209</c:v>
                 </c:pt>
                 <c:pt idx="8">
-                  <c:v>7.596598E6</c:v>
+                  <c:v>7596598</c:v>
                 </c:pt>
                 <c:pt idx="9">
-                  <c:v>7.929482E6</c:v>
+                  <c:v>7929482</c:v>
                 </c:pt>
                 <c:pt idx="10">
-                  <c:v>1.2773416E7</c:v>
+                  <c:v>12773416</c:v>
                 </c:pt>
                 <c:pt idx="11">
-                  <c:v>1.5049306E7</c:v>
+                  <c:v>15049306</c:v>
                 </c:pt>
               </c:numCache>
             </c:numRef>
           </c:val>
+          <c:extLst>
+            <c:ext xmlns:c16="http://schemas.microsoft.com/office/drawing/2014/chart" uri="{C3380CC4-5D6E-409C-BE32-E72D297353CC}">
+              <c16:uniqueId val="{00000004-A5A6-E149-8C36-CB27473495A9}"/>
+            </c:ext>
+          </c:extLst>
         </c:ser>
         <c:dLbls>
           <c:showLegendKey val="0"/>
@@ -404,7 +419,7 @@
                 <a:cs typeface="Helvetica" charset="0"/>
               </a:defRPr>
             </a:pPr>
-            <a:endParaRPr lang="en-US"/>
+            <a:endParaRPr lang="en-CH"/>
           </a:p>
         </c:txPr>
         <c:crossAx val="1967205152"/>
@@ -463,13 +478,13 @@
                 <a:cs typeface="Helvetica" charset="0"/>
               </a:defRPr>
             </a:pPr>
-            <a:endParaRPr lang="en-US"/>
+            <a:endParaRPr lang="en-CH"/>
           </a:p>
         </c:txPr>
         <c:crossAx val="1967202832"/>
         <c:crosses val="autoZero"/>
         <c:crossBetween val="between"/>
-        <c:majorUnit val="3.0E6"/>
+        <c:majorUnit val="3000000"/>
       </c:valAx>
       <c:spPr>
         <a:noFill/>
@@ -498,7 +513,7 @@
       <a:pPr>
         <a:defRPr/>
       </a:pPr>
-      <a:endParaRPr lang="en-US"/>
+      <a:endParaRPr lang="en-CH"/>
     </a:p>
   </c:txPr>
   <c:externalData r:id="rId3">
@@ -508,9 +523,9 @@
 </file>
 
 <file path=ppt/charts/chart2.xml><?xml version="1.0" encoding="utf-8"?>
-<c:chartSpace xmlns:c="http://schemas.openxmlformats.org/drawingml/2006/chart" xmlns:a="http://schemas.openxmlformats.org/drawingml/2006/main" xmlns:r="http://schemas.openxmlformats.org/officeDocument/2006/relationships">
+<c:chartSpace xmlns:c="http://schemas.openxmlformats.org/drawingml/2006/chart" xmlns:a="http://schemas.openxmlformats.org/drawingml/2006/main" xmlns:r="http://schemas.openxmlformats.org/officeDocument/2006/relationships" xmlns:c16r2="http://schemas.microsoft.com/office/drawing/2015/06/chart">
   <c:date1904 val="0"/>
-  <c:lang val="en-US"/>
+  <c:lang val="en-GB"/>
   <c:roundedCorners val="0"/>
   <mc:AlternateContent xmlns:mc="http://schemas.openxmlformats.org/markup-compatibility/2006">
     <mc:Choice xmlns:c14="http://schemas.microsoft.com/office/drawing/2007/8/2/chart" Requires="c14">
@@ -586,38 +601,43 @@
                 <c:formatCode>0.0%</c:formatCode>
                 <c:ptCount val="10"/>
                 <c:pt idx="0">
-                  <c:v>1.0</c:v>
+                  <c:v>1</c:v>
                 </c:pt>
                 <c:pt idx="1">
-                  <c:v>0.538310843765241</c:v>
+                  <c:v>0.53831084376524097</c:v>
                 </c:pt>
                 <c:pt idx="2">
                   <c:v>0.496293285644611</c:v>
                 </c:pt>
                 <c:pt idx="3">
-                  <c:v>0.407754836611933</c:v>
+                  <c:v>0.40775483661193301</c:v>
                 </c:pt>
                 <c:pt idx="4">
-                  <c:v>0.401942773532759</c:v>
+                  <c:v>0.40194277353275898</c:v>
                 </c:pt>
                 <c:pt idx="5">
-                  <c:v>0.400479596813526</c:v>
+                  <c:v>0.40047959681352602</c:v>
                 </c:pt>
                 <c:pt idx="6">
-                  <c:v>0.37924727686555</c:v>
+                  <c:v>0.37924727686554999</c:v>
                 </c:pt>
                 <c:pt idx="7">
                   <c:v>0.285278816452609</c:v>
                 </c:pt>
                 <c:pt idx="8">
-                  <c:v>0.280791741180296</c:v>
+                  <c:v>0.28079174118029598</c:v>
                 </c:pt>
                 <c:pt idx="9">
-                  <c:v>0.263948951390018</c:v>
+                  <c:v>0.26394895139001801</c:v>
                 </c:pt>
               </c:numCache>
             </c:numRef>
           </c:val>
+          <c:extLst>
+            <c:ext xmlns:c16="http://schemas.microsoft.com/office/drawing/2014/chart" uri="{C3380CC4-5D6E-409C-BE32-E72D297353CC}">
+              <c16:uniqueId val="{00000000-7490-5641-9B0C-747D704BDD0C}"/>
+            </c:ext>
+          </c:extLst>
         </c:ser>
         <c:dLbls>
           <c:showLegendKey val="0"/>
@@ -673,7 +693,7 @@
                 <a:cs typeface="Helvetica" charset="0"/>
               </a:defRPr>
             </a:pPr>
-            <a:endParaRPr lang="en-US"/>
+            <a:endParaRPr lang="en-CH"/>
           </a:p>
         </c:txPr>
         <c:crossAx val="1990246944"/>
@@ -687,7 +707,7 @@
         <c:axId val="1990246944"/>
         <c:scaling>
           <c:orientation val="minMax"/>
-          <c:max val="1.0"/>
+          <c:max val="1"/>
         </c:scaling>
         <c:delete val="0"/>
         <c:axPos val="l"/>
@@ -733,7 +753,7 @@
                 <a:cs typeface="Helvetica" charset="0"/>
               </a:defRPr>
             </a:pPr>
-            <a:endParaRPr lang="en-US"/>
+            <a:endParaRPr lang="en-CH"/>
           </a:p>
         </c:txPr>
         <c:crossAx val="1990244624"/>
@@ -768,7 +788,7 @@
       <a:pPr>
         <a:defRPr/>
       </a:pPr>
-      <a:endParaRPr lang="en-US"/>
+      <a:endParaRPr lang="en-CH"/>
     </a:p>
   </c:txPr>
   <c:externalData r:id="rId3">
@@ -778,9 +798,9 @@
 </file>
 
 <file path=ppt/charts/chart3.xml><?xml version="1.0" encoding="utf-8"?>
-<c:chartSpace xmlns:c="http://schemas.openxmlformats.org/drawingml/2006/chart" xmlns:a="http://schemas.openxmlformats.org/drawingml/2006/main" xmlns:r="http://schemas.openxmlformats.org/officeDocument/2006/relationships">
+<c:chartSpace xmlns:c="http://schemas.openxmlformats.org/drawingml/2006/chart" xmlns:a="http://schemas.openxmlformats.org/drawingml/2006/main" xmlns:r="http://schemas.openxmlformats.org/officeDocument/2006/relationships" xmlns:c16r2="http://schemas.microsoft.com/office/drawing/2015/06/chart">
   <c:date1904 val="0"/>
-  <c:lang val="en-US"/>
+  <c:lang val="en-GB"/>
   <c:roundedCorners val="0"/>
   <mc:AlternateContent xmlns:mc="http://schemas.openxmlformats.org/markup-compatibility/2006">
     <mc:Choice xmlns:c14="http://schemas.microsoft.com/office/drawing/2007/8/2/chart" Requires="c14">
@@ -824,6 +844,11 @@
               </a:ln>
               <a:effectLst/>
             </c:spPr>
+            <c:extLst>
+              <c:ext xmlns:c16="http://schemas.microsoft.com/office/drawing/2014/chart" uri="{C3380CC4-5D6E-409C-BE32-E72D297353CC}">
+                <c16:uniqueId val="{00000001-89FA-4A48-8F8B-538BB858249D}"/>
+              </c:ext>
+            </c:extLst>
           </c:dPt>
           <c:dLbls>
             <c:delete val="1"/>
@@ -873,35 +898,40 @@
                 <c:formatCode>General</c:formatCode>
                 <c:ptCount val="10"/>
                 <c:pt idx="0">
-                  <c:v>53386.0</c:v>
+                  <c:v>53386</c:v>
                 </c:pt>
                 <c:pt idx="1">
-                  <c:v>5.0</c:v>
+                  <c:v>5</c:v>
                 </c:pt>
                 <c:pt idx="2">
-                  <c:v>321.0</c:v>
+                  <c:v>321</c:v>
                 </c:pt>
                 <c:pt idx="4">
-                  <c:v>4168.0</c:v>
+                  <c:v>4168</c:v>
                 </c:pt>
                 <c:pt idx="5">
-                  <c:v>6267.0</c:v>
+                  <c:v>6267</c:v>
                 </c:pt>
                 <c:pt idx="6">
-                  <c:v>7248.0</c:v>
+                  <c:v>7248</c:v>
                 </c:pt>
                 <c:pt idx="7">
-                  <c:v>10053.0</c:v>
+                  <c:v>10053</c:v>
                 </c:pt>
                 <c:pt idx="8">
-                  <c:v>28073.0</c:v>
+                  <c:v>28073</c:v>
                 </c:pt>
                 <c:pt idx="9">
-                  <c:v>43030.0</c:v>
+                  <c:v>43030</c:v>
                 </c:pt>
               </c:numCache>
             </c:numRef>
           </c:val>
+          <c:extLst>
+            <c:ext xmlns:c16="http://schemas.microsoft.com/office/drawing/2014/chart" uri="{C3380CC4-5D6E-409C-BE32-E72D297353CC}">
+              <c16:uniqueId val="{00000002-89FA-4A48-8F8B-538BB858249D}"/>
+            </c:ext>
+          </c:extLst>
         </c:ser>
         <c:dLbls>
           <c:dLblPos val="outEnd"/>
@@ -957,7 +987,7 @@
                 <a:cs typeface="Helvetica" charset="0"/>
               </a:defRPr>
             </a:pPr>
-            <a:endParaRPr lang="en-US"/>
+            <a:endParaRPr lang="en-CH"/>
           </a:p>
         </c:txPr>
         <c:crossAx val="1930184784"/>
@@ -971,8 +1001,8 @@
         <c:axId val="1930184784"/>
         <c:scaling>
           <c:orientation val="minMax"/>
-          <c:max val="55000.0"/>
-          <c:min val="0.0"/>
+          <c:max val="55000"/>
+          <c:min val="0"/>
         </c:scaling>
         <c:delete val="0"/>
         <c:axPos val="b"/>
@@ -1018,7 +1048,7 @@
                 <a:cs typeface="Helvetica" charset="0"/>
               </a:defRPr>
             </a:pPr>
-            <a:endParaRPr lang="en-US"/>
+            <a:endParaRPr lang="en-CH"/>
           </a:p>
         </c:txPr>
         <c:crossAx val="1930042992"/>
@@ -1052,7 +1082,7 @@
       <a:pPr>
         <a:defRPr/>
       </a:pPr>
-      <a:endParaRPr lang="en-US"/>
+      <a:endParaRPr lang="en-CH"/>
     </a:p>
   </c:txPr>
   <c:externalData r:id="rId3">
@@ -1062,9 +1092,9 @@
 </file>
 
 <file path=ppt/charts/chart4.xml><?xml version="1.0" encoding="utf-8"?>
-<c:chartSpace xmlns:c="http://schemas.openxmlformats.org/drawingml/2006/chart" xmlns:a="http://schemas.openxmlformats.org/drawingml/2006/main" xmlns:r="http://schemas.openxmlformats.org/officeDocument/2006/relationships">
+<c:chartSpace xmlns:c="http://schemas.openxmlformats.org/drawingml/2006/chart" xmlns:a="http://schemas.openxmlformats.org/drawingml/2006/main" xmlns:r="http://schemas.openxmlformats.org/officeDocument/2006/relationships" xmlns:c16r2="http://schemas.microsoft.com/office/drawing/2015/06/chart">
   <c:date1904 val="0"/>
-  <c:lang val="en-US"/>
+  <c:lang val="en-GB"/>
   <c:roundedCorners val="0"/>
   <mc:AlternateContent xmlns:mc="http://schemas.openxmlformats.org/markup-compatibility/2006">
     <mc:Choice xmlns:c14="http://schemas.microsoft.com/office/drawing/2007/8/2/chart" Requires="c14">
@@ -1095,7 +1125,7 @@
               </a:defRPr>
             </a:pPr>
             <a:r>
-              <a:rPr lang="en-US" sz="2000" b="1" dirty="0" smtClean="0">
+              <a:rPr lang="en-US" sz="2000" b="1" dirty="0">
                 <a:effectLst/>
                 <a:latin typeface="Helvetica" charset="0"/>
                 <a:ea typeface="Helvetica" charset="0"/>
@@ -1103,16 +1133,9 @@
               </a:rPr>
               <a:t>Integration layer</a:t>
             </a:r>
-            <a:endParaRPr lang="en-US" sz="2000" b="1" dirty="0">
-              <a:effectLst/>
-              <a:latin typeface="Helvetica" charset="0"/>
-              <a:ea typeface="Helvetica" charset="0"/>
-              <a:cs typeface="Helvetica" charset="0"/>
-            </a:endParaRPr>
           </a:p>
         </c:rich>
       </c:tx>
-      <c:layout/>
       <c:overlay val="0"/>
       <c:spPr>
         <a:noFill/>
@@ -1138,7 +1161,7 @@
               <a:cs typeface="+mn-cs"/>
             </a:defRPr>
           </a:pPr>
-          <a:endParaRPr lang="en-US"/>
+          <a:endParaRPr lang="en-CH"/>
         </a:p>
       </c:txPr>
     </c:title>
@@ -1215,7 +1238,7 @@
                       <a:cs typeface="Helvetica" charset="0"/>
                     </a:defRPr>
                   </a:pPr>
-                  <a:endParaRPr lang="en-US"/>
+                  <a:endParaRPr lang="en-CH"/>
                 </a:p>
               </c:txPr>
               <c:dLblPos val="t"/>
@@ -1225,6 +1248,11 @@
               <c:showSerName val="0"/>
               <c:showPercent val="0"/>
               <c:showBubbleSize val="0"/>
+              <c:extLst>
+                <c:ext xmlns:c16="http://schemas.microsoft.com/office/drawing/2014/chart" uri="{C3380CC4-5D6E-409C-BE32-E72D297353CC}">
+                  <c16:uniqueId val="{00000000-27B3-F341-A594-A130B5DD3849}"/>
+                </c:ext>
+              </c:extLst>
             </c:dLbl>
             <c:dLbl>
               <c:idx val="4"/>
@@ -1254,7 +1282,7 @@
                       <a:cs typeface="Helvetica" charset="0"/>
                     </a:defRPr>
                   </a:pPr>
-                  <a:endParaRPr lang="en-US"/>
+                  <a:endParaRPr lang="en-CH"/>
                 </a:p>
               </c:txPr>
               <c:dLblPos val="t"/>
@@ -1264,6 +1292,11 @@
               <c:showSerName val="0"/>
               <c:showPercent val="0"/>
               <c:showBubbleSize val="0"/>
+              <c:extLst>
+                <c:ext xmlns:c16="http://schemas.microsoft.com/office/drawing/2014/chart" uri="{C3380CC4-5D6E-409C-BE32-E72D297353CC}">
+                  <c16:uniqueId val="{00000001-27B3-F341-A594-A130B5DD3849}"/>
+                </c:ext>
+              </c:extLst>
             </c:dLbl>
             <c:spPr>
               <a:noFill/>
@@ -1291,7 +1324,7 @@
                     <a:cs typeface="Helvetica" charset="0"/>
                   </a:defRPr>
                 </a:pPr>
-                <a:endParaRPr lang="en-US"/>
+                <a:endParaRPr lang="en-CH"/>
               </a:p>
             </c:txPr>
             <c:dLblPos val="t"/>
@@ -1304,7 +1337,6 @@
             <c:showLeaderLines val="0"/>
             <c:extLst>
               <c:ext xmlns:c15="http://schemas.microsoft.com/office/drawing/2012/chart" uri="{CE6537A1-D6FC-4f65-9D91-7224C49458BB}">
-                <c15:layout/>
                 <c15:showLeaderLines val="1"/>
                 <c15:leaderLines>
                   <c:spPr>
@@ -1372,6 +1404,11 @@
             </c:numRef>
           </c:val>
           <c:smooth val="0"/>
+          <c:extLst>
+            <c:ext xmlns:c16="http://schemas.microsoft.com/office/drawing/2014/chart" uri="{C3380CC4-5D6E-409C-BE32-E72D297353CC}">
+              <c16:uniqueId val="{00000002-27B3-F341-A594-A130B5DD3849}"/>
+            </c:ext>
+          </c:extLst>
         </c:ser>
         <c:dLbls>
           <c:dLblPos val="ctr"/>
@@ -1414,7 +1451,7 @@
                   </a:defRPr>
                 </a:pPr>
                 <a:r>
-                  <a:rPr lang="en-US" sz="1800" b="0" dirty="0" smtClean="0">
+                  <a:rPr lang="en-US" sz="1800" b="0" dirty="0">
                     <a:effectLst/>
                     <a:latin typeface="Helvetica" charset="0"/>
                     <a:ea typeface="Helvetica" charset="0"/>
@@ -1431,7 +1468,6 @@
               </a:p>
             </c:rich>
           </c:tx>
-          <c:layout/>
           <c:overlay val="0"/>
           <c:spPr>
             <a:noFill/>
@@ -1457,7 +1493,7 @@
                   <a:cs typeface="+mn-cs"/>
                 </a:defRPr>
               </a:pPr>
-              <a:endParaRPr lang="en-US"/>
+              <a:endParaRPr lang="en-CH"/>
             </a:p>
           </c:txPr>
         </c:title>
@@ -1495,7 +1531,7 @@
                 <a:cs typeface="Helvetica" charset="0"/>
               </a:defRPr>
             </a:pPr>
-            <a:endParaRPr lang="en-US"/>
+            <a:endParaRPr lang="en-CH"/>
           </a:p>
         </c:txPr>
         <c:crossAx val="1968926112"/>
@@ -1509,7 +1545,7 @@
         <c:axId val="1968926112"/>
         <c:scaling>
           <c:orientation val="minMax"/>
-          <c:max val="1.0"/>
+          <c:max val="1"/>
           <c:min val="0.6"/>
         </c:scaling>
         <c:delete val="0"/>
@@ -1556,7 +1592,7 @@
                 <a:cs typeface="Helvetica" charset="0"/>
               </a:defRPr>
             </a:pPr>
-            <a:endParaRPr lang="en-US"/>
+            <a:endParaRPr lang="en-CH"/>
           </a:p>
         </c:txPr>
         <c:crossAx val="1968922720"/>
@@ -1591,7 +1627,7 @@
       <a:pPr>
         <a:defRPr/>
       </a:pPr>
-      <a:endParaRPr lang="en-US"/>
+      <a:endParaRPr lang="en-CH"/>
     </a:p>
   </c:txPr>
   <c:externalData r:id="rId3">
@@ -1601,9 +1637,9 @@
 </file>
 
 <file path=ppt/charts/chart5.xml><?xml version="1.0" encoding="utf-8"?>
-<c:chartSpace xmlns:c="http://schemas.openxmlformats.org/drawingml/2006/chart" xmlns:a="http://schemas.openxmlformats.org/drawingml/2006/main" xmlns:r="http://schemas.openxmlformats.org/officeDocument/2006/relationships">
+<c:chartSpace xmlns:c="http://schemas.openxmlformats.org/drawingml/2006/chart" xmlns:a="http://schemas.openxmlformats.org/drawingml/2006/main" xmlns:r="http://schemas.openxmlformats.org/officeDocument/2006/relationships" xmlns:c16r2="http://schemas.microsoft.com/office/drawing/2015/06/chart">
   <c:date1904 val="0"/>
-  <c:lang val="en-US"/>
+  <c:lang val="en-GB"/>
   <c:roundedCorners val="0"/>
   <mc:AlternateContent xmlns:mc="http://schemas.openxmlformats.org/markup-compatibility/2006">
     <mc:Choice xmlns:c14="http://schemas.microsoft.com/office/drawing/2007/8/2/chart" Requires="c14">
@@ -1685,7 +1721,7 @@
                     <a:cs typeface="Helvetica" charset="0"/>
                   </a:defRPr>
                 </a:pPr>
-                <a:endParaRPr lang="en-US"/>
+                <a:endParaRPr lang="en-CH"/>
               </a:p>
             </c:txPr>
             <c:dLblPos val="b"/>
@@ -1698,7 +1734,6 @@
             <c:showLeaderLines val="0"/>
             <c:extLst>
               <c:ext xmlns:c15="http://schemas.microsoft.com/office/drawing/2012/chart" uri="{CE6537A1-D6FC-4f65-9D91-7224C49458BB}">
-                <c15:layout/>
                 <c15:showLeaderLines val="1"/>
                 <c15:leaderLines>
                   <c:spPr>
@@ -1766,6 +1801,11 @@
             </c:numRef>
           </c:val>
           <c:smooth val="0"/>
+          <c:extLst>
+            <c:ext xmlns:c16="http://schemas.microsoft.com/office/drawing/2014/chart" uri="{C3380CC4-5D6E-409C-BE32-E72D297353CC}">
+              <c16:uniqueId val="{00000000-AE84-DD44-B616-77F5B724F039}"/>
+            </c:ext>
+          </c:extLst>
         </c:ser>
         <c:ser>
           <c:idx val="1"/>
@@ -1832,7 +1872,7 @@
                     <a:cs typeface="Helvetica" charset="0"/>
                   </a:defRPr>
                 </a:pPr>
-                <a:endParaRPr lang="en-US"/>
+                <a:endParaRPr lang="en-CH"/>
               </a:p>
             </c:txPr>
             <c:dLblPos val="t"/>
@@ -1845,7 +1885,6 @@
             <c:showLeaderLines val="0"/>
             <c:extLst>
               <c:ext xmlns:c15="http://schemas.microsoft.com/office/drawing/2012/chart" uri="{CE6537A1-D6FC-4f65-9D91-7224C49458BB}">
-                <c15:layout/>
                 <c15:showLeaderLines val="1"/>
                 <c15:leaderLines>
                   <c:spPr>
@@ -1913,6 +1952,11 @@
             </c:numRef>
           </c:val>
           <c:smooth val="0"/>
+          <c:extLst>
+            <c:ext xmlns:c16="http://schemas.microsoft.com/office/drawing/2014/chart" uri="{C3380CC4-5D6E-409C-BE32-E72D297353CC}">
+              <c16:uniqueId val="{00000001-AE84-DD44-B616-77F5B724F039}"/>
+            </c:ext>
+          </c:extLst>
         </c:ser>
         <c:dLbls>
           <c:dLblPos val="ctr"/>
@@ -1955,7 +1999,7 @@
                   </a:defRPr>
                 </a:pPr>
                 <a:r>
-                  <a:rPr lang="en-US" sz="2000" b="0" dirty="0" smtClean="0">
+                  <a:rPr lang="en-US" sz="2000" b="0" dirty="0">
                     <a:effectLst/>
                     <a:latin typeface="Helvetica" charset="0"/>
                     <a:ea typeface="Helvetica" charset="0"/>
@@ -1972,7 +2016,6 @@
               </a:p>
             </c:rich>
           </c:tx>
-          <c:layout/>
           <c:overlay val="0"/>
           <c:spPr>
             <a:noFill/>
@@ -1998,7 +2041,7 @@
                   <a:cs typeface="+mn-cs"/>
                 </a:defRPr>
               </a:pPr>
-              <a:endParaRPr lang="en-US"/>
+              <a:endParaRPr lang="en-CH"/>
             </a:p>
           </c:txPr>
         </c:title>
@@ -2036,7 +2079,7 @@
                 <a:cs typeface="Helvetica" charset="0"/>
               </a:defRPr>
             </a:pPr>
-            <a:endParaRPr lang="en-US"/>
+            <a:endParaRPr lang="en-CH"/>
           </a:p>
         </c:txPr>
         <c:crossAx val="1968912240"/>
@@ -2050,7 +2093,7 @@
         <c:axId val="1968912240"/>
         <c:scaling>
           <c:orientation val="minMax"/>
-          <c:max val="1.0"/>
+          <c:max val="1"/>
           <c:min val="0.4"/>
         </c:scaling>
         <c:delete val="0"/>
@@ -2097,7 +2140,7 @@
                 <a:cs typeface="Helvetica" charset="0"/>
               </a:defRPr>
             </a:pPr>
-            <a:endParaRPr lang="en-US"/>
+            <a:endParaRPr lang="en-CH"/>
           </a:p>
         </c:txPr>
         <c:crossAx val="1968908848"/>
@@ -2115,7 +2158,6 @@
     </c:plotArea>
     <c:legend>
       <c:legendPos val="t"/>
-      <c:layout/>
       <c:overlay val="0"/>
       <c:spPr>
         <a:noFill/>
@@ -2141,7 +2183,7 @@
               <a:cs typeface="Helvetica" charset="0"/>
             </a:defRPr>
           </a:pPr>
-          <a:endParaRPr lang="en-US"/>
+          <a:endParaRPr lang="en-CH"/>
         </a:p>
       </c:txPr>
     </c:legend>
@@ -2164,7 +2206,7 @@
       <a:pPr>
         <a:defRPr/>
       </a:pPr>
-      <a:endParaRPr lang="en-US"/>
+      <a:endParaRPr lang="en-CH"/>
     </a:p>
   </c:txPr>
   <c:externalData r:id="rId3">
@@ -4996,7 +5038,7 @@
           <a:p>
             <a:fld id="{6DE84279-423B-4B34-8CA9-B9770621B3B4}" type="datetimeFigureOut">
               <a:rPr lang="en-US" smtClean="0"/>
-              <a:t>10/19/17</a:t>
+              <a:t>10/20/22</a:t>
             </a:fld>
             <a:endParaRPr lang="en-US" dirty="0"/>
           </a:p>
@@ -5060,38 +5102,37 @@
           <a:p>
             <a:pPr lvl="0"/>
             <a:r>
-              <a:rPr lang="en-US" smtClean="0"/>
+              <a:rPr lang="en-US"/>
               <a:t>Click to edit Master text styles</a:t>
             </a:r>
           </a:p>
           <a:p>
             <a:pPr lvl="1"/>
             <a:r>
-              <a:rPr lang="en-US" smtClean="0"/>
+              <a:rPr lang="en-US"/>
               <a:t>Second level</a:t>
             </a:r>
           </a:p>
           <a:p>
             <a:pPr lvl="2"/>
             <a:r>
-              <a:rPr lang="en-US" smtClean="0"/>
+              <a:rPr lang="en-US"/>
               <a:t>Third level</a:t>
             </a:r>
           </a:p>
           <a:p>
             <a:pPr lvl="3"/>
             <a:r>
-              <a:rPr lang="en-US" smtClean="0"/>
+              <a:rPr lang="en-US"/>
               <a:t>Fourth level</a:t>
             </a:r>
           </a:p>
           <a:p>
             <a:pPr lvl="4"/>
             <a:r>
-              <a:rPr lang="en-US" smtClean="0"/>
+              <a:rPr lang="en-US"/>
               <a:t>Fifth level</a:t>
             </a:r>
-            <a:endParaRPr lang="en-US"/>
           </a:p>
         </p:txBody>
       </p:sp>
@@ -5560,7 +5601,7 @@
           <a:bodyPr/>
           <a:lstStyle/>
           <a:p>
-            <a:endParaRPr lang="en-US" baseline="0" dirty="0" smtClean="0"/>
+            <a:endParaRPr lang="en-US" baseline="0" dirty="0"/>
           </a:p>
         </p:txBody>
       </p:sp>
@@ -5812,7 +5853,7 @@
           <a:bodyPr/>
           <a:lstStyle/>
           <a:p>
-            <a:endParaRPr lang="en-US" baseline="0" dirty="0" smtClean="0"/>
+            <a:endParaRPr lang="en-US" baseline="0" dirty="0"/>
           </a:p>
         </p:txBody>
       </p:sp>
@@ -6232,7 +6273,7 @@
           <a:bodyPr/>
           <a:lstStyle/>
           <a:p>
-            <a:endParaRPr lang="el-GR" b="0" baseline="0" dirty="0" smtClean="0"/>
+            <a:endParaRPr lang="el-GR" b="0" baseline="0" dirty="0"/>
           </a:p>
         </p:txBody>
       </p:sp>
@@ -6568,7 +6609,7 @@
           <a:bodyPr/>
           <a:lstStyle/>
           <a:p>
-            <a:endParaRPr lang="en-US" baseline="0" dirty="0" smtClean="0"/>
+            <a:endParaRPr lang="en-US" baseline="0" dirty="0"/>
           </a:p>
         </p:txBody>
       </p:sp>
@@ -6652,7 +6693,7 @@
           <a:bodyPr/>
           <a:lstStyle/>
           <a:p>
-            <a:endParaRPr lang="en-US" baseline="0" dirty="0" smtClean="0"/>
+            <a:endParaRPr lang="en-US" baseline="0" dirty="0"/>
           </a:p>
         </p:txBody>
       </p:sp>
@@ -6736,7 +6777,7 @@
           <a:bodyPr/>
           <a:lstStyle/>
           <a:p>
-            <a:endParaRPr lang="en-US" b="0" baseline="0" dirty="0" smtClean="0"/>
+            <a:endParaRPr lang="en-US" b="0" baseline="0" dirty="0"/>
           </a:p>
         </p:txBody>
       </p:sp>
@@ -6998,7 +7039,7 @@
           <a:p>
             <a:pPr lvl="0"/>
             <a:r>
-              <a:rPr lang="en-US" dirty="0" smtClean="0"/>
+              <a:rPr lang="en-US" dirty="0"/>
               <a:t>Presentation Title</a:t>
             </a:r>
           </a:p>
@@ -7125,14 +7166,14 @@
           <a:p>
             <a:pPr lvl="0"/>
             <a:r>
-              <a:rPr lang="en-US" dirty="0" smtClean="0"/>
+              <a:rPr lang="en-US" dirty="0"/>
               <a:t>Event</a:t>
             </a:r>
           </a:p>
           <a:p>
             <a:pPr lvl="0"/>
             <a:r>
-              <a:rPr lang="en-US" dirty="0" smtClean="0"/>
+              <a:rPr lang="en-US" dirty="0"/>
               <a:t>Place, Time</a:t>
             </a:r>
           </a:p>
@@ -7259,7 +7300,7 @@
           <a:p>
             <a:pPr lvl="0"/>
             <a:r>
-              <a:rPr lang="en-US" dirty="0" smtClean="0"/>
+              <a:rPr lang="en-US" dirty="0"/>
               <a:t>Presenter</a:t>
             </a:r>
           </a:p>
@@ -7287,7 +7328,7 @@
             </a:clrChange>
             <a:extLst>
               <a:ext uri="{28A0092B-C50C-407E-A947-70E740481C1C}">
-                <a14:useLocalDpi xmlns:a14="http://schemas.microsoft.com/office/drawing/2010/main" val="0"/>
+                <a14:useLocalDpi xmlns:a14="http://schemas.microsoft.com/office/drawing/2010/main"/>
               </a:ext>
             </a:extLst>
           </a:blip>
@@ -7315,13 +7356,6 @@
   <p:clrMapOvr>
     <a:overrideClrMapping bg1="lt1" tx1="dk1" bg2="lt2" tx2="dk2" accent1="accent1" accent2="accent2" accent3="accent3" accent4="accent4" accent5="accent5" accent6="accent6" hlink="hlink" folHlink="folHlink"/>
   </p:clrMapOvr>
-  <p:timing>
-    <p:tnLst>
-      <p:par>
-        <p:cTn id="1" dur="indefinite" restart="never" nodeType="tmRoot"/>
-      </p:par>
-    </p:tnLst>
-  </p:timing>
 </p:sldLayout>
 </file>
 
@@ -7463,7 +7497,7 @@
           <a:p>
             <a:pPr lvl="0"/>
             <a:r>
-              <a:rPr lang="en-US" dirty="0" smtClean="0"/>
+              <a:rPr lang="en-US" dirty="0"/>
               <a:t>Section Title</a:t>
             </a:r>
           </a:p>
@@ -7478,7 +7512,7 @@
           <p:nvPr userDrawn="1"/>
         </p:nvPicPr>
         <p:blipFill>
-          <a:blip r:embed="rId2">
+          <a:blip r:embed="rId2" cstate="hqprint">
             <a:clrChange>
               <a:clrFrom>
                 <a:srgbClr val="F6FFFF"/>
@@ -7491,7 +7525,7 @@
             </a:clrChange>
             <a:extLst>
               <a:ext uri="{28A0092B-C50C-407E-A947-70E740481C1C}">
-                <a14:useLocalDpi xmlns:a14="http://schemas.microsoft.com/office/drawing/2010/main" val="0"/>
+                <a14:useLocalDpi xmlns:a14="http://schemas.microsoft.com/office/drawing/2010/main"/>
               </a:ext>
             </a:extLst>
           </a:blip>
@@ -7525,7 +7559,7 @@
           <a:lstStyle/>
           <a:p>
             <a:r>
-              <a:rPr lang="en-US" smtClean="0"/>
+              <a:rPr lang="en-US"/>
               <a:t>03/04/2017</a:t>
             </a:r>
             <a:endParaRPr lang="en-US" dirty="0"/>
@@ -7548,7 +7582,7 @@
           <a:lstStyle/>
           <a:p>
             <a:r>
-              <a:rPr lang="en-US" smtClean="0"/>
+              <a:rPr lang="en-US"/>
               <a:t>deepschema.org: An Ontology for Typing Entities in the Web of Data</a:t>
             </a:r>
             <a:endParaRPr lang="en-US" dirty="0"/>
@@ -7589,13 +7623,6 @@
   <p:clrMapOvr>
     <a:overrideClrMapping bg1="lt1" tx1="dk1" bg2="lt2" tx2="dk2" accent1="accent1" accent2="accent2" accent3="accent3" accent4="accent4" accent5="accent5" accent6="accent6" hlink="hlink" folHlink="folHlink"/>
   </p:clrMapOvr>
-  <p:timing>
-    <p:tnLst>
-      <p:par>
-        <p:cTn id="1" dur="indefinite" restart="never" nodeType="tmRoot"/>
-      </p:par>
-    </p:tnLst>
-  </p:timing>
 </p:sldLayout>
 </file>
 
@@ -7655,10 +7682,9 @@
           </a:lstStyle>
           <a:p>
             <a:r>
-              <a:rPr lang="en-US" dirty="0" smtClean="0"/>
+              <a:rPr lang="en-US" dirty="0"/>
               <a:t>Click to edit title</a:t>
             </a:r>
-            <a:endParaRPr lang="en-US" dirty="0"/>
           </a:p>
         </p:txBody>
       </p:sp>
@@ -7735,38 +7761,37 @@
           <a:p>
             <a:pPr lvl="0"/>
             <a:r>
-              <a:rPr lang="en-US" dirty="0" smtClean="0"/>
+              <a:rPr lang="en-US" dirty="0"/>
               <a:t>Click to edit text</a:t>
             </a:r>
           </a:p>
           <a:p>
             <a:pPr lvl="1"/>
             <a:r>
-              <a:rPr lang="en-US" dirty="0" smtClean="0"/>
+              <a:rPr lang="en-US" dirty="0"/>
               <a:t>Second level</a:t>
             </a:r>
           </a:p>
           <a:p>
             <a:pPr lvl="2"/>
             <a:r>
-              <a:rPr lang="en-US" dirty="0" smtClean="0"/>
+              <a:rPr lang="en-US" dirty="0"/>
               <a:t>Third level</a:t>
             </a:r>
           </a:p>
           <a:p>
             <a:pPr lvl="3"/>
             <a:r>
-              <a:rPr lang="en-US" dirty="0" smtClean="0"/>
+              <a:rPr lang="en-US" dirty="0"/>
               <a:t>Fourth level</a:t>
             </a:r>
           </a:p>
           <a:p>
             <a:pPr lvl="4"/>
             <a:r>
-              <a:rPr lang="en-US" dirty="0" smtClean="0"/>
+              <a:rPr lang="en-US" dirty="0"/>
               <a:t>Fifth level</a:t>
             </a:r>
-            <a:endParaRPr lang="en-US" dirty="0"/>
           </a:p>
         </p:txBody>
       </p:sp>
@@ -7779,7 +7804,7 @@
           <p:nvPr userDrawn="1"/>
         </p:nvPicPr>
         <p:blipFill>
-          <a:blip r:embed="rId2">
+          <a:blip r:embed="rId2" cstate="hqprint">
             <a:clrChange>
               <a:clrFrom>
                 <a:srgbClr val="FFFFFF"/>
@@ -7792,7 +7817,7 @@
             </a:clrChange>
             <a:extLst>
               <a:ext uri="{28A0092B-C50C-407E-A947-70E740481C1C}">
-                <a14:useLocalDpi xmlns:a14="http://schemas.microsoft.com/office/drawing/2010/main" val="0"/>
+                <a14:useLocalDpi xmlns:a14="http://schemas.microsoft.com/office/drawing/2010/main"/>
               </a:ext>
             </a:extLst>
           </a:blip>
@@ -7826,7 +7851,7 @@
           <a:lstStyle/>
           <a:p>
             <a:r>
-              <a:rPr lang="en-US" smtClean="0"/>
+              <a:rPr lang="en-US"/>
               <a:t>03/04/2017</a:t>
             </a:r>
             <a:endParaRPr lang="en-US" dirty="0"/>
@@ -7849,7 +7874,7 @@
           <a:lstStyle/>
           <a:p>
             <a:r>
-              <a:rPr lang="en-US" smtClean="0"/>
+              <a:rPr lang="en-US"/>
               <a:t>deepschema.org: An Ontology for Typing Entities in the Web of Data</a:t>
             </a:r>
             <a:endParaRPr lang="en-US" dirty="0"/>
@@ -7890,13 +7915,6 @@
   <p:clrMapOvr>
     <a:overrideClrMapping bg1="lt1" tx1="dk1" bg2="lt2" tx2="dk2" accent1="accent1" accent2="accent2" accent3="accent3" accent4="accent4" accent5="accent5" accent6="accent6" hlink="hlink" folHlink="folHlink"/>
   </p:clrMapOvr>
-  <p:timing>
-    <p:tnLst>
-      <p:par>
-        <p:cTn id="1" dur="indefinite" restart="never" nodeType="tmRoot"/>
-      </p:par>
-    </p:tnLst>
-  </p:timing>
 </p:sldLayout>
 </file>
 
@@ -8162,7 +8180,7 @@
           </a:lstStyle>
           <a:p>
             <a:r>
-              <a:rPr lang="en-US" smtClean="0"/>
+              <a:rPr lang="en-US"/>
               <a:t>03/04/2017</a:t>
             </a:r>
             <a:endParaRPr lang="en-US" dirty="0"/>
@@ -8251,7 +8269,7 @@
           </a:lstStyle>
           <a:p>
             <a:r>
-              <a:rPr lang="en-US" smtClean="0"/>
+              <a:rPr lang="en-US"/>
               <a:t>deepschema.org: An Ontology for Typing Entities in the Web of Data</a:t>
             </a:r>
             <a:endParaRPr lang="en-US" dirty="0"/>
@@ -8271,13 +8289,6 @@
     <p:sldLayoutId id="2147483651" r:id="rId2"/>
     <p:sldLayoutId id="2147483650" r:id="rId3"/>
   </p:sldLayoutIdLst>
-  <p:timing>
-    <p:tnLst>
-      <p:par>
-        <p:cTn id="1" dur="indefinite" restart="never" nodeType="tmRoot"/>
-      </p:par>
-    </p:tnLst>
-  </p:timing>
   <p:hf hdr="0"/>
   <p:txStyles>
     <p:titleStyle>
@@ -8570,21 +8581,8 @@
             </a:r>
             <a:r>
               <a:rPr lang="en-US" dirty="0"/>
-              <a:t>: </a:t>
-            </a:r>
-            <a:r>
-              <a:rPr lang="en-US" dirty="0" smtClean="0"/>
-              <a:t>An </a:t>
-            </a:r>
-            <a:r>
-              <a:rPr lang="en-US" dirty="0"/>
-              <a:t>Ontology for Typing Entities in the Web of </a:t>
-            </a:r>
-            <a:r>
-              <a:rPr lang="en-US" dirty="0" smtClean="0"/>
-              <a:t>Data</a:t>
-            </a:r>
-            <a:endParaRPr lang="en-US" dirty="0"/>
+              <a:t>: An Ontology for Typing Entities in the Web of Data</a:t>
+            </a:r>
           </a:p>
         </p:txBody>
       </p:sp>
@@ -8635,26 +8633,18 @@
             </a:r>
             <a:r>
               <a:rPr lang="en-US" dirty="0"/>
-              <a:t>, Amit Gupta</a:t>
-            </a:r>
-            <a:r>
-              <a:rPr lang="en-US" dirty="0" smtClean="0"/>
-              <a:t>, </a:t>
+              <a:t>, Amit Gupta, Michele </a:t>
+            </a:r>
+            <a:r>
+              <a:rPr lang="en-US" dirty="0" err="1"/>
+              <a:t>Catasta</a:t>
             </a:r>
             <a:r>
               <a:rPr lang="en-US" dirty="0"/>
-              <a:t>Michele </a:t>
-            </a:r>
-            <a:r>
-              <a:rPr lang="en-US" dirty="0" err="1" smtClean="0"/>
-              <a:t>Catasta</a:t>
-            </a:r>
-            <a:r>
-              <a:rPr lang="en-US" dirty="0" smtClean="0"/>
               <a:t> and Karl </a:t>
             </a:r>
             <a:r>
-              <a:rPr lang="en-US" dirty="0" err="1" smtClean="0"/>
+              <a:rPr lang="en-US" dirty="0" err="1"/>
               <a:t>Aberer</a:t>
             </a:r>
             <a:endParaRPr lang="en-US" dirty="0"/>
@@ -8671,13 +8661,6 @@
   <p:clrMapOvr>
     <a:masterClrMapping/>
   </p:clrMapOvr>
-  <p:timing>
-    <p:tnLst>
-      <p:par>
-        <p:cTn id="1" dur="indefinite" restart="never" nodeType="tmRoot"/>
-      </p:par>
-    </p:tnLst>
-  </p:timing>
 </p:sld>
 </file>
 
@@ -8714,11 +8697,11 @@
           <a:lstStyle/>
           <a:p>
             <a:r>
-              <a:rPr lang="en-US" dirty="0" smtClean="0"/>
+              <a:rPr lang="en-US" dirty="0"/>
               <a:t>Integration with </a:t>
             </a:r>
             <a:r>
-              <a:rPr lang="en-US" dirty="0" err="1" smtClean="0"/>
+              <a:rPr lang="en-US" dirty="0" err="1"/>
               <a:t>schema.org</a:t>
             </a:r>
             <a:endParaRPr lang="en-US" dirty="0"/>
@@ -8741,7 +8724,7 @@
           <a:lstStyle/>
           <a:p>
             <a:r>
-              <a:rPr lang="en-US" smtClean="0"/>
+              <a:rPr lang="en-US"/>
               <a:t>03/04/2017</a:t>
             </a:r>
             <a:endParaRPr lang="en-US" dirty="0"/>
@@ -8764,7 +8747,7 @@
           <a:lstStyle/>
           <a:p>
             <a:r>
-              <a:rPr lang="en-US" smtClean="0"/>
+              <a:rPr lang="en-US"/>
               <a:t>deepschema.org: An Ontology for Typing Entities in the Web of Data</a:t>
             </a:r>
             <a:endParaRPr lang="en-US" dirty="0"/>
@@ -8805,13 +8788,6 @@
   <p:clrMapOvr>
     <a:masterClrMapping/>
   </p:clrMapOvr>
-  <p:timing>
-    <p:tnLst>
-      <p:par>
-        <p:cTn id="1" dur="indefinite" restart="never" nodeType="tmRoot"/>
-      </p:par>
-    </p:tnLst>
-  </p:timing>
 </p:sld>
 </file>
 
@@ -8848,10 +8824,9 @@
           <a:lstStyle/>
           <a:p>
             <a:r>
-              <a:rPr lang="en-US" dirty="0" smtClean="0"/>
+              <a:rPr lang="en-US" dirty="0"/>
               <a:t>Integration Heuristics</a:t>
             </a:r>
-            <a:endParaRPr lang="en-US" dirty="0"/>
           </a:p>
         </p:txBody>
       </p:sp>
@@ -8871,7 +8846,7 @@
           <a:lstStyle/>
           <a:p>
             <a:r>
-              <a:rPr lang="en-US" smtClean="0"/>
+              <a:rPr lang="en-US"/>
               <a:t>03/04/2017</a:t>
             </a:r>
             <a:endParaRPr lang="en-US" dirty="0"/>
@@ -8894,7 +8869,7 @@
           <a:lstStyle/>
           <a:p>
             <a:r>
-              <a:rPr lang="en-US" smtClean="0"/>
+              <a:rPr lang="en-US"/>
               <a:t>deepschema.org: An Ontology for Typing Entities in the Web of Data</a:t>
             </a:r>
             <a:endParaRPr lang="en-US" dirty="0"/>
@@ -8972,17 +8947,7 @@
                 <a:latin typeface="Helvetica" pitchFamily="34" charset="0"/>
                 <a:cs typeface="Helvetica" pitchFamily="34" charset="0"/>
               </a:rPr>
-              <a:t>Exact </a:t>
-            </a:r>
-            <a:r>
-              <a:rPr lang="en-US" sz="2800" dirty="0" smtClean="0">
-                <a:solidFill>
-                  <a:prstClr val="black"/>
-                </a:solidFill>
-                <a:latin typeface="Helvetica" pitchFamily="34" charset="0"/>
-                <a:cs typeface="Helvetica" pitchFamily="34" charset="0"/>
-              </a:rPr>
-              <a:t>Match</a:t>
+              <a:t>Exact Match</a:t>
             </a:r>
           </a:p>
           <a:p>
@@ -8991,18 +8956,8 @@
                 <a:spcPct val="20000"/>
               </a:spcBef>
             </a:pPr>
-            <a:r>
-              <a:rPr lang="en-US" dirty="0" smtClean="0">
-                <a:solidFill>
-                  <a:prstClr val="black"/>
-                </a:solidFill>
-                <a:latin typeface="Helvetica" pitchFamily="34" charset="0"/>
-                <a:cs typeface="Helvetica" pitchFamily="34" charset="0"/>
-              </a:rPr>
-              <a:t/>
-            </a:r>
             <a:br>
-              <a:rPr lang="en-US" dirty="0" smtClean="0">
+              <a:rPr lang="en-US" dirty="0">
                 <a:solidFill>
                   <a:prstClr val="black"/>
                 </a:solidFill>
@@ -9011,7 +8966,7 @@
               </a:rPr>
             </a:br>
             <a:r>
-              <a:rPr lang="en-US" dirty="0" smtClean="0">
+              <a:rPr lang="en-US" dirty="0">
                 <a:solidFill>
                   <a:prstClr val="black"/>
                 </a:solidFill>
@@ -9021,7 +8976,7 @@
               <a:t>(language)</a:t>
             </a:r>
             <a:r>
-              <a:rPr lang="en-US" baseline="30000" dirty="0" smtClean="0">
+              <a:rPr lang="en-US" baseline="30000" dirty="0">
                 <a:solidFill>
                   <a:prstClr val="black"/>
                 </a:solidFill>
@@ -9031,7 +8986,7 @@
               <a:t>w</a:t>
             </a:r>
             <a:r>
-              <a:rPr lang="en-US" dirty="0" smtClean="0">
+              <a:rPr lang="en-US" dirty="0">
                 <a:solidFill>
                   <a:prstClr val="black"/>
                 </a:solidFill>
@@ -9041,7 +8996,7 @@
               <a:t> </a:t>
             </a:r>
             <a:r>
-              <a:rPr lang="en-US" b="1" dirty="0" smtClean="0">
+              <a:rPr lang="en-US" b="1" dirty="0">
                 <a:solidFill>
                   <a:prstClr val="black"/>
                 </a:solidFill>
@@ -9052,7 +9007,7 @@
               <a:t></a:t>
             </a:r>
             <a:r>
-              <a:rPr lang="en-US" dirty="0" smtClean="0">
+              <a:rPr lang="en-US" dirty="0">
                 <a:solidFill>
                   <a:prstClr val="black"/>
                 </a:solidFill>
@@ -9063,7 +9018,7 @@
               <a:t> (Language)</a:t>
             </a:r>
             <a:r>
-              <a:rPr lang="en-US" baseline="30000" dirty="0" smtClean="0">
+              <a:rPr lang="en-US" baseline="30000" dirty="0">
                 <a:solidFill>
                   <a:prstClr val="black"/>
                 </a:solidFill>
@@ -9130,17 +9085,7 @@
                 <a:latin typeface="Helvetica" pitchFamily="34" charset="0"/>
                 <a:cs typeface="Helvetica" pitchFamily="34" charset="0"/>
               </a:rPr>
-              <a:t>Lemma </a:t>
-            </a:r>
-            <a:r>
-              <a:rPr lang="en-US" sz="2800" dirty="0" smtClean="0">
-                <a:solidFill>
-                  <a:prstClr val="black"/>
-                </a:solidFill>
-                <a:latin typeface="Helvetica" pitchFamily="34" charset="0"/>
-                <a:cs typeface="Helvetica" pitchFamily="34" charset="0"/>
-              </a:rPr>
-              <a:t>Match</a:t>
+              <a:t>Lemma Match</a:t>
             </a:r>
           </a:p>
           <a:p>
@@ -9149,7 +9094,7 @@
                 <a:spcPct val="20000"/>
               </a:spcBef>
             </a:pPr>
-            <a:endParaRPr lang="en-US" dirty="0" smtClean="0">
+            <a:endParaRPr lang="en-US" dirty="0">
               <a:solidFill>
                 <a:prstClr val="black"/>
               </a:solidFill>
@@ -9164,7 +9109,7 @@
               </a:spcBef>
             </a:pPr>
             <a:r>
-              <a:rPr lang="en-US" dirty="0" smtClean="0">
+              <a:rPr lang="en-US" dirty="0">
                 <a:solidFill>
                   <a:prstClr val="black"/>
                 </a:solidFill>
@@ -9174,7 +9119,7 @@
               <a:t>(languages)</a:t>
             </a:r>
             <a:r>
-              <a:rPr lang="en-US" baseline="30000" dirty="0" smtClean="0">
+              <a:rPr lang="en-US" baseline="30000" dirty="0">
                 <a:solidFill>
                   <a:prstClr val="black"/>
                 </a:solidFill>
@@ -9184,7 +9129,7 @@
               <a:t>w</a:t>
             </a:r>
             <a:r>
-              <a:rPr lang="en-US" dirty="0" smtClean="0">
+              <a:rPr lang="en-US" dirty="0">
                 <a:solidFill>
                   <a:prstClr val="black"/>
                 </a:solidFill>
@@ -9216,7 +9161,7 @@
               <a:t> </a:t>
             </a:r>
             <a:r>
-              <a:rPr lang="en-US" dirty="0" smtClean="0">
+              <a:rPr lang="en-US" dirty="0">
                 <a:solidFill>
                   <a:prstClr val="black"/>
                 </a:solidFill>
@@ -9226,7 +9171,7 @@
               <a:t>(Language)</a:t>
             </a:r>
             <a:r>
-              <a:rPr lang="en-US" baseline="30000" dirty="0" smtClean="0">
+              <a:rPr lang="en-US" baseline="30000" dirty="0">
                 <a:solidFill>
                   <a:prstClr val="black"/>
                 </a:solidFill>
@@ -9278,7 +9223,7 @@
               </a:spcBef>
             </a:pPr>
             <a:r>
-              <a:rPr lang="en-US" sz="2800" dirty="0" smtClean="0">
+              <a:rPr lang="en-US" sz="2800" dirty="0">
                 <a:solidFill>
                   <a:prstClr val="black"/>
                 </a:solidFill>
@@ -9287,16 +9232,6 @@
               </a:rPr>
               <a:t>Head Match</a:t>
             </a:r>
-            <a:r>
-              <a:rPr lang="en-US" sz="2800" dirty="0">
-                <a:solidFill>
-                  <a:prstClr val="black"/>
-                </a:solidFill>
-                <a:latin typeface="Helvetica" pitchFamily="34" charset="0"/>
-                <a:cs typeface="Helvetica" pitchFamily="34" charset="0"/>
-              </a:rPr>
-              <a:t/>
-            </a:r>
             <a:br>
               <a:rPr lang="en-US" sz="2800" dirty="0">
                 <a:solidFill>
@@ -9306,7 +9241,7 @@
                 <a:cs typeface="Helvetica" pitchFamily="34" charset="0"/>
               </a:rPr>
             </a:br>
-            <a:endParaRPr lang="en-US" dirty="0" smtClean="0">
+            <a:endParaRPr lang="en-US" dirty="0">
               <a:solidFill>
                 <a:prstClr val="black"/>
               </a:solidFill>
@@ -9321,7 +9256,7 @@
               </a:spcBef>
             </a:pPr>
             <a:r>
-              <a:rPr lang="en-US" dirty="0" smtClean="0">
+              <a:rPr lang="en-US" dirty="0">
                 <a:solidFill>
                   <a:prstClr val="black"/>
                 </a:solidFill>
@@ -9331,7 +9266,7 @@
               <a:t>(</a:t>
             </a:r>
             <a:r>
-              <a:rPr lang="en-US" dirty="0" err="1" smtClean="0">
+              <a:rPr lang="en-US" dirty="0" err="1">
                 <a:solidFill>
                   <a:prstClr val="black"/>
                 </a:solidFill>
@@ -9341,7 +9276,7 @@
               <a:t>Kalapuyan</a:t>
             </a:r>
             <a:r>
-              <a:rPr lang="en-US" dirty="0" smtClean="0">
+              <a:rPr lang="en-US" dirty="0">
                 <a:solidFill>
                   <a:prstClr val="black"/>
                 </a:solidFill>
@@ -9351,7 +9286,7 @@
               <a:t> languages)</a:t>
             </a:r>
             <a:r>
-              <a:rPr lang="en-US" baseline="30000" dirty="0" smtClean="0">
+              <a:rPr lang="en-US" baseline="30000" dirty="0">
                 <a:solidFill>
                   <a:prstClr val="black"/>
                 </a:solidFill>
@@ -9361,7 +9296,7 @@
               <a:t>w</a:t>
             </a:r>
             <a:r>
-              <a:rPr lang="en-US" dirty="0" smtClean="0">
+              <a:rPr lang="en-US" dirty="0">
                 <a:solidFill>
                   <a:prstClr val="black"/>
                 </a:solidFill>
@@ -9371,7 +9306,7 @@
               <a:t> </a:t>
             </a:r>
             <a:r>
-              <a:rPr lang="en-US" b="1" dirty="0" smtClean="0">
+              <a:rPr lang="en-US" b="1" dirty="0">
                 <a:solidFill>
                   <a:prstClr val="black"/>
                 </a:solidFill>
@@ -9382,7 +9317,7 @@
               <a:t> </a:t>
             </a:r>
             <a:r>
-              <a:rPr lang="en-US" dirty="0" smtClean="0">
+              <a:rPr lang="en-US" dirty="0">
                 <a:solidFill>
                   <a:prstClr val="black"/>
                 </a:solidFill>
@@ -9393,7 +9328,7 @@
               <a:t>(Language)</a:t>
             </a:r>
             <a:r>
-              <a:rPr lang="en-US" baseline="30000" dirty="0" smtClean="0">
+              <a:rPr lang="en-US" baseline="30000" dirty="0">
                 <a:solidFill>
                   <a:prstClr val="black"/>
                 </a:solidFill>
@@ -9460,19 +9395,9 @@
                 <a:latin typeface="Helvetica" pitchFamily="34" charset="0"/>
                 <a:cs typeface="Helvetica" pitchFamily="34" charset="0"/>
               </a:rPr>
-              <a:t>Head </a:t>
-            </a:r>
-            <a:r>
-              <a:rPr lang="en-US" sz="2800" dirty="0" smtClean="0">
-                <a:solidFill>
-                  <a:prstClr val="black"/>
-                </a:solidFill>
-                <a:latin typeface="Helvetica" pitchFamily="34" charset="0"/>
-                <a:cs typeface="Helvetica" pitchFamily="34" charset="0"/>
-              </a:rPr>
-              <a:t>Similarity</a:t>
-            </a:r>
-            <a:endParaRPr lang="en-US" dirty="0" smtClean="0">
+              <a:t>Head Similarity</a:t>
+            </a:r>
+            <a:endParaRPr lang="en-US" dirty="0">
               <a:solidFill>
                 <a:prstClr val="black"/>
               </a:solidFill>
@@ -9486,18 +9411,8 @@
                 <a:spcPct val="20000"/>
               </a:spcBef>
             </a:pPr>
-            <a:r>
-              <a:rPr lang="en-US" dirty="0" smtClean="0">
-                <a:solidFill>
-                  <a:prstClr val="black"/>
-                </a:solidFill>
-                <a:latin typeface="Helvetica" pitchFamily="34" charset="0"/>
-                <a:cs typeface="Helvetica" pitchFamily="34" charset="0"/>
-              </a:rPr>
-              <a:t/>
-            </a:r>
             <a:br>
-              <a:rPr lang="en-US" dirty="0" smtClean="0">
+              <a:rPr lang="en-US" dirty="0">
                 <a:solidFill>
                   <a:prstClr val="black"/>
                 </a:solidFill>
@@ -9506,37 +9421,17 @@
               </a:rPr>
             </a:br>
             <a:r>
-              <a:rPr lang="en-US" dirty="0" smtClean="0">
+              <a:rPr lang="en-US" dirty="0">
                 <a:solidFill>
                   <a:prstClr val="black"/>
                 </a:solidFill>
                 <a:latin typeface="Helvetica" pitchFamily="34" charset="0"/>
                 <a:cs typeface="Helvetica" pitchFamily="34" charset="0"/>
               </a:rPr>
-              <a:t>(Survey </a:t>
-            </a:r>
-            <a:r>
-              <a:rPr lang="en-US" dirty="0">
-                <a:solidFill>
-                  <a:prstClr val="black"/>
-                </a:solidFill>
-                <a:latin typeface="Helvetica" pitchFamily="34" charset="0"/>
-                <a:cs typeface="Helvetica" pitchFamily="34" charset="0"/>
-              </a:rPr>
-              <a:t>motor </a:t>
-            </a:r>
-            <a:r>
-              <a:rPr lang="en-US" dirty="0" smtClean="0">
-                <a:solidFill>
-                  <a:prstClr val="black"/>
-                </a:solidFill>
-                <a:latin typeface="Helvetica" pitchFamily="34" charset="0"/>
-                <a:cs typeface="Helvetica" pitchFamily="34" charset="0"/>
-              </a:rPr>
-              <a:t>boat)</a:t>
-            </a:r>
-            <a:r>
-              <a:rPr lang="en-US" baseline="30000" dirty="0" smtClean="0">
+              <a:t>(Survey motor boat)</a:t>
+            </a:r>
+            <a:r>
+              <a:rPr lang="en-US" baseline="30000" dirty="0">
                 <a:solidFill>
                   <a:prstClr val="black"/>
                 </a:solidFill>
@@ -9546,7 +9441,7 @@
               <a:t>w</a:t>
             </a:r>
             <a:r>
-              <a:rPr lang="en-US" dirty="0" smtClean="0">
+              <a:rPr lang="en-US" dirty="0">
                 <a:solidFill>
                   <a:prstClr val="black"/>
                 </a:solidFill>
@@ -9556,7 +9451,7 @@
               <a:t> </a:t>
             </a:r>
             <a:r>
-              <a:rPr lang="en-US" b="1" dirty="0" smtClean="0">
+              <a:rPr lang="en-US" b="1" dirty="0">
                 <a:solidFill>
                   <a:prstClr val="black"/>
                 </a:solidFill>
@@ -9567,7 +9462,7 @@
               <a:t></a:t>
             </a:r>
             <a:r>
-              <a:rPr lang="en-US" dirty="0" smtClean="0">
+              <a:rPr lang="en-US" dirty="0">
                 <a:solidFill>
                   <a:prstClr val="black"/>
                 </a:solidFill>
@@ -9578,7 +9473,7 @@
               <a:t> </a:t>
             </a:r>
             <a:r>
-              <a:rPr lang="en-US" dirty="0" smtClean="0">
+              <a:rPr lang="en-US" dirty="0">
                 <a:solidFill>
                   <a:prstClr val="black"/>
                 </a:solidFill>
@@ -9588,7 +9483,7 @@
               <a:t>(Vessel)</a:t>
             </a:r>
             <a:r>
-              <a:rPr lang="en-US" baseline="30000" dirty="0" smtClean="0">
+              <a:rPr lang="en-US" baseline="30000" dirty="0">
                 <a:solidFill>
                   <a:prstClr val="black"/>
                 </a:solidFill>
@@ -9597,7 +9492,7 @@
               </a:rPr>
               <a:t>s</a:t>
             </a:r>
-            <a:endParaRPr lang="en-US" sz="2800" dirty="0" smtClean="0">
+            <a:endParaRPr lang="en-US" sz="2800" dirty="0">
               <a:solidFill>
                 <a:prstClr val="black"/>
               </a:solidFill>
@@ -9661,7 +9556,7 @@
                 </a:spcBef>
               </a:pPr>
               <a:r>
-                <a:rPr lang="en-US" sz="2800" dirty="0" smtClean="0">
+                <a:rPr lang="en-US" sz="2800" dirty="0">
                   <a:solidFill>
                     <a:prstClr val="black"/>
                   </a:solidFill>
@@ -9669,16 +9564,6 @@
                   <a:cs typeface="Helvetica" pitchFamily="34" charset="0"/>
                 </a:rPr>
                 <a:t>Vector Cosine Similarity</a:t>
-              </a:r>
-              <a:r>
-                <a:rPr lang="en-US" sz="2000" dirty="0">
-                  <a:solidFill>
-                    <a:prstClr val="black"/>
-                  </a:solidFill>
-                  <a:latin typeface="Helvetica" pitchFamily="34" charset="0"/>
-                  <a:cs typeface="Helvetica" pitchFamily="34" charset="0"/>
-                </a:rPr>
-                <a:t/>
               </a:r>
               <a:br>
                 <a:rPr lang="en-US" sz="2000" dirty="0">
@@ -9689,7 +9574,7 @@
                   <a:cs typeface="Helvetica" pitchFamily="34" charset="0"/>
                 </a:rPr>
               </a:br>
-              <a:endParaRPr lang="en-US" sz="2000" dirty="0" smtClean="0">
+              <a:endParaRPr lang="en-US" sz="2000" dirty="0">
                 <a:solidFill>
                   <a:prstClr val="black"/>
                 </a:solidFill>
@@ -9704,7 +9589,7 @@
                 </a:spcBef>
               </a:pPr>
               <a:r>
-                <a:rPr lang="en-US" dirty="0" smtClean="0">
+                <a:rPr lang="en-US" dirty="0">
                   <a:solidFill>
                     <a:prstClr val="black"/>
                   </a:solidFill>
@@ -9714,7 +9599,7 @@
                 <a:t>(warehouse)</a:t>
               </a:r>
               <a:r>
-                <a:rPr lang="en-US" baseline="30000" dirty="0" smtClean="0">
+                <a:rPr lang="en-US" baseline="30000" dirty="0">
                   <a:solidFill>
                     <a:prstClr val="black"/>
                   </a:solidFill>
@@ -9724,7 +9609,7 @@
                 <a:t>w</a:t>
               </a:r>
               <a:r>
-                <a:rPr lang="en-US" dirty="0" smtClean="0">
+                <a:rPr lang="en-US" dirty="0">
                   <a:solidFill>
                     <a:prstClr val="black"/>
                   </a:solidFill>
@@ -9753,21 +9638,10 @@
                   <a:cs typeface="Helvetica" pitchFamily="34" charset="0"/>
                   <a:sym typeface="Wingdings"/>
                 </a:rPr>
-                <a:t> </a:t>
+                <a:t> (Store)</a:t>
               </a:r>
               <a:r>
-                <a:rPr lang="en-US" dirty="0" smtClean="0">
-                  <a:solidFill>
-                    <a:prstClr val="black"/>
-                  </a:solidFill>
-                  <a:latin typeface="Helvetica" pitchFamily="34" charset="0"/>
-                  <a:cs typeface="Helvetica" pitchFamily="34" charset="0"/>
-                  <a:sym typeface="Wingdings"/>
-                </a:rPr>
-                <a:t>(Store)</a:t>
-              </a:r>
-              <a:r>
-                <a:rPr lang="en-US" baseline="30000" dirty="0" smtClean="0">
+                <a:rPr lang="en-US" baseline="30000" dirty="0">
                   <a:solidFill>
                     <a:prstClr val="black"/>
                   </a:solidFill>
@@ -9778,7 +9652,7 @@
                 <a:t>s</a:t>
               </a:r>
               <a:r>
-                <a:rPr lang="en-US" dirty="0" smtClean="0">
+                <a:rPr lang="en-US" dirty="0">
                   <a:solidFill>
                     <a:prstClr val="black"/>
                   </a:solidFill>
@@ -9986,7 +9860,7 @@
                 </a:spcBef>
               </a:pPr>
               <a:r>
-                <a:rPr lang="en-US" sz="2800" dirty="0" smtClean="0">
+                <a:rPr lang="en-US" sz="2800" dirty="0">
                   <a:solidFill>
                     <a:prstClr val="black"/>
                   </a:solidFill>
@@ -10002,7 +9876,7 @@
                   <a:spcPct val="20000"/>
                 </a:spcBef>
               </a:pPr>
-              <a:endParaRPr lang="en-US" dirty="0" smtClean="0">
+              <a:endParaRPr lang="en-US" dirty="0">
                 <a:solidFill>
                   <a:prstClr val="black"/>
                 </a:solidFill>
@@ -11059,10 +10933,9 @@
           <a:lstStyle/>
           <a:p>
             <a:r>
-              <a:rPr lang="en-US" dirty="0" smtClean="0"/>
+              <a:rPr lang="en-US" dirty="0"/>
               <a:t>Resulting pairs</a:t>
             </a:r>
-            <a:endParaRPr lang="en-US" dirty="0"/>
           </a:p>
         </p:txBody>
       </p:sp>
@@ -11092,8 +10965,20 @@
                 <a:tableStyleId>{21E4AEA4-8DFA-4A89-87EB-49C32662AFE0}</a:tableStyleId>
               </a:tblPr>
               <a:tblGrid>
-                <a:gridCol w="2737056"/>
-                <a:gridCol w="2737056"/>
+                <a:gridCol w="2737056">
+                  <a:extLst>
+                    <a:ext uri="{9D8B030D-6E8A-4147-A177-3AD203B41FA5}">
+                      <a16:colId xmlns:a16="http://schemas.microsoft.com/office/drawing/2014/main" val="20000"/>
+                    </a:ext>
+                  </a:extLst>
+                </a:gridCol>
+                <a:gridCol w="2737056">
+                  <a:extLst>
+                    <a:ext uri="{9D8B030D-6E8A-4147-A177-3AD203B41FA5}">
+                      <a16:colId xmlns:a16="http://schemas.microsoft.com/office/drawing/2014/main" val="20001"/>
+                    </a:ext>
+                  </a:extLst>
+                </a:gridCol>
               </a:tblGrid>
               <a:tr h="782018">
                 <a:tc>
@@ -11103,7 +10988,7 @@
                     <a:p>
                       <a:pPr algn="ctr"/>
                       <a:r>
-                        <a:rPr lang="en-US" sz="2000" dirty="0" smtClean="0">
+                        <a:rPr lang="en-US" sz="2000" dirty="0">
                           <a:effectLst/>
                         </a:rPr>
                         <a:t>Cosine Similarity Threshold</a:t>
@@ -11140,6 +11025,11 @@
                   </a:txBody>
                   <a:tcPr anchor="ctr"/>
                 </a:tc>
+                <a:extLst>
+                  <a:ext uri="{0D108BD9-81ED-4DB2-BD59-A6C34878D82A}">
+                    <a16:rowId xmlns:a16="http://schemas.microsoft.com/office/drawing/2014/main" val="10000"/>
+                  </a:ext>
+                </a:extLst>
               </a:tr>
               <a:tr h="782018">
                 <a:tc>
@@ -11149,7 +11039,7 @@
                     <a:p>
                       <a:pPr algn="ctr"/>
                       <a:r>
-                        <a:rPr lang="hr-HR" sz="2000" dirty="0" smtClean="0"/>
+                        <a:rPr lang="hr-HR" sz="2000" dirty="0"/>
                         <a:t>0.5</a:t>
                       </a:r>
                       <a:endParaRPr lang="en-US" sz="2000" dirty="0">
@@ -11168,15 +11058,15 @@
                     <a:p>
                       <a:pPr algn="ctr"/>
                       <a:r>
-                        <a:rPr lang="en-US" sz="2000" dirty="0" smtClean="0"/>
+                        <a:rPr lang="en-US" sz="2000" dirty="0"/>
                         <a:t>15</a:t>
                       </a:r>
                       <a:r>
-                        <a:rPr lang="el-GR" sz="2000" dirty="0" smtClean="0"/>
+                        <a:rPr lang="el-GR" sz="2000" dirty="0"/>
                         <a:t>,</a:t>
                       </a:r>
                       <a:r>
-                        <a:rPr lang="en-US" sz="2000" dirty="0" smtClean="0"/>
+                        <a:rPr lang="en-US" sz="2000" dirty="0"/>
                         <a:t>112</a:t>
                       </a:r>
                       <a:endParaRPr lang="en-US" sz="2000" dirty="0">
@@ -11188,6 +11078,11 @@
                   </a:txBody>
                   <a:tcPr anchor="ctr"/>
                 </a:tc>
+                <a:extLst>
+                  <a:ext uri="{0D108BD9-81ED-4DB2-BD59-A6C34878D82A}">
+                    <a16:rowId xmlns:a16="http://schemas.microsoft.com/office/drawing/2014/main" val="10001"/>
+                  </a:ext>
+                </a:extLst>
               </a:tr>
               <a:tr h="782018">
                 <a:tc>
@@ -11213,10 +11108,10 @@
                         <a:defRPr/>
                       </a:pPr>
                       <a:r>
-                        <a:rPr lang="hr-HR" sz="2000" dirty="0" smtClean="0"/>
+                        <a:rPr lang="hr-HR" sz="2000" dirty="0"/>
                         <a:t>0.6</a:t>
                       </a:r>
-                      <a:endParaRPr lang="en-US" sz="2000" dirty="0" smtClean="0">
+                      <a:endParaRPr lang="en-US" sz="2000" dirty="0">
                         <a:latin typeface="Helvetica Neue" charset="0"/>
                         <a:ea typeface="Helvetica Neue" charset="0"/>
                         <a:cs typeface="Helvetica Neue" charset="0"/>
@@ -11232,15 +11127,15 @@
                     <a:p>
                       <a:pPr algn="ctr"/>
                       <a:r>
-                        <a:rPr lang="en-US" sz="2000" dirty="0" smtClean="0"/>
+                        <a:rPr lang="en-US" sz="2000" dirty="0"/>
                         <a:t>8</a:t>
                       </a:r>
                       <a:r>
-                        <a:rPr lang="el-GR" sz="2000" dirty="0" smtClean="0"/>
+                        <a:rPr lang="el-GR" sz="2000" dirty="0"/>
                         <a:t>,</a:t>
                       </a:r>
                       <a:r>
-                        <a:rPr lang="en-US" sz="2000" dirty="0" smtClean="0"/>
+                        <a:rPr lang="en-US" sz="2000" dirty="0"/>
                         <a:t>494</a:t>
                       </a:r>
                       <a:endParaRPr lang="en-US" sz="2000" dirty="0">
@@ -11252,6 +11147,11 @@
                   </a:txBody>
                   <a:tcPr anchor="ctr"/>
                 </a:tc>
+                <a:extLst>
+                  <a:ext uri="{0D108BD9-81ED-4DB2-BD59-A6C34878D82A}">
+                    <a16:rowId xmlns:a16="http://schemas.microsoft.com/office/drawing/2014/main" val="10002"/>
+                  </a:ext>
+                </a:extLst>
               </a:tr>
               <a:tr h="782018">
                 <a:tc>
@@ -11277,10 +11177,10 @@
                         <a:defRPr/>
                       </a:pPr>
                       <a:r>
-                        <a:rPr lang="hr-HR" sz="2000" dirty="0" smtClean="0"/>
+                        <a:rPr lang="hr-HR" sz="2000" dirty="0"/>
                         <a:t>0.7</a:t>
                       </a:r>
-                      <a:endParaRPr lang="en-US" sz="2000" dirty="0" smtClean="0">
+                      <a:endParaRPr lang="en-US" sz="2000" dirty="0">
                         <a:latin typeface="Helvetica Neue" charset="0"/>
                         <a:ea typeface="Helvetica Neue" charset="0"/>
                         <a:cs typeface="Helvetica Neue" charset="0"/>
@@ -11296,15 +11196,15 @@
                     <a:p>
                       <a:pPr algn="ctr"/>
                       <a:r>
-                        <a:rPr lang="en-US" sz="2000" dirty="0" smtClean="0"/>
+                        <a:rPr lang="en-US" sz="2000" dirty="0"/>
                         <a:t>7</a:t>
                       </a:r>
                       <a:r>
-                        <a:rPr lang="el-GR" sz="2000" dirty="0" smtClean="0"/>
+                        <a:rPr lang="el-GR" sz="2000" dirty="0"/>
                         <a:t>,</a:t>
                       </a:r>
                       <a:r>
-                        <a:rPr lang="en-US" sz="2000" dirty="0" smtClean="0"/>
+                        <a:rPr lang="en-US" sz="2000" dirty="0"/>
                         <a:t>329</a:t>
                       </a:r>
                       <a:endParaRPr lang="en-US" sz="2000" dirty="0">
@@ -11316,6 +11216,11 @@
                   </a:txBody>
                   <a:tcPr anchor="ctr"/>
                 </a:tc>
+                <a:extLst>
+                  <a:ext uri="{0D108BD9-81ED-4DB2-BD59-A6C34878D82A}">
+                    <a16:rowId xmlns:a16="http://schemas.microsoft.com/office/drawing/2014/main" val="10003"/>
+                  </a:ext>
+                </a:extLst>
               </a:tr>
               <a:tr h="782018">
                 <a:tc>
@@ -11341,10 +11246,10 @@
                         <a:defRPr/>
                       </a:pPr>
                       <a:r>
-                        <a:rPr lang="hr-HR" sz="2000" dirty="0" smtClean="0"/>
+                        <a:rPr lang="hr-HR" sz="2000" dirty="0"/>
                         <a:t>0.8</a:t>
                       </a:r>
-                      <a:endParaRPr lang="en-US" sz="2000" dirty="0" smtClean="0">
+                      <a:endParaRPr lang="en-US" sz="2000" dirty="0">
                         <a:latin typeface="Helvetica Neue" charset="0"/>
                         <a:ea typeface="Helvetica Neue" charset="0"/>
                         <a:cs typeface="Helvetica Neue" charset="0"/>
@@ -11360,15 +11265,15 @@
                     <a:p>
                       <a:pPr algn="ctr"/>
                       <a:r>
-                        <a:rPr lang="en-US" sz="2000" dirty="0" smtClean="0"/>
+                        <a:rPr lang="en-US" sz="2000" dirty="0"/>
                         <a:t>6</a:t>
                       </a:r>
                       <a:r>
-                        <a:rPr lang="el-GR" sz="2000" dirty="0" smtClean="0"/>
+                        <a:rPr lang="el-GR" sz="2000" dirty="0"/>
                         <a:t>,</a:t>
                       </a:r>
                       <a:r>
-                        <a:rPr lang="en-US" sz="2000" dirty="0" smtClean="0"/>
+                        <a:rPr lang="en-US" sz="2000" dirty="0"/>
                         <a:t>120</a:t>
                       </a:r>
                       <a:endParaRPr lang="en-US" sz="2000" dirty="0">
@@ -11380,6 +11285,11 @@
                   </a:txBody>
                   <a:tcPr anchor="ctr"/>
                 </a:tc>
+                <a:extLst>
+                  <a:ext uri="{0D108BD9-81ED-4DB2-BD59-A6C34878D82A}">
+                    <a16:rowId xmlns:a16="http://schemas.microsoft.com/office/drawing/2014/main" val="10004"/>
+                  </a:ext>
+                </a:extLst>
               </a:tr>
               <a:tr h="782018">
                 <a:tc>
@@ -11405,10 +11315,10 @@
                         <a:defRPr/>
                       </a:pPr>
                       <a:r>
-                        <a:rPr lang="hr-HR" sz="2000" dirty="0" smtClean="0"/>
+                        <a:rPr lang="hr-HR" sz="2000" dirty="0"/>
                         <a:t>0.9</a:t>
                       </a:r>
-                      <a:endParaRPr lang="en-US" sz="2000" dirty="0" smtClean="0">
+                      <a:endParaRPr lang="en-US" sz="2000" dirty="0">
                         <a:latin typeface="Helvetica Neue" charset="0"/>
                         <a:ea typeface="Helvetica Neue" charset="0"/>
                         <a:cs typeface="Helvetica Neue" charset="0"/>
@@ -11424,15 +11334,15 @@
                     <a:p>
                       <a:pPr algn="ctr"/>
                       <a:r>
-                        <a:rPr lang="en-US" sz="2000" dirty="0" smtClean="0"/>
+                        <a:rPr lang="en-US" sz="2000" dirty="0"/>
                         <a:t>5</a:t>
                       </a:r>
                       <a:r>
-                        <a:rPr lang="el-GR" sz="2000" dirty="0" smtClean="0"/>
+                        <a:rPr lang="el-GR" sz="2000" dirty="0"/>
                         <a:t>,</a:t>
                       </a:r>
                       <a:r>
-                        <a:rPr lang="en-US" sz="2000" dirty="0" smtClean="0"/>
+                        <a:rPr lang="en-US" sz="2000" dirty="0"/>
                         <a:t>586</a:t>
                       </a:r>
                       <a:endParaRPr lang="en-US" sz="2000" dirty="0">
@@ -11444,6 +11354,11 @@
                   </a:txBody>
                   <a:tcPr anchor="ctr"/>
                 </a:tc>
+                <a:extLst>
+                  <a:ext uri="{0D108BD9-81ED-4DB2-BD59-A6C34878D82A}">
+                    <a16:rowId xmlns:a16="http://schemas.microsoft.com/office/drawing/2014/main" val="10005"/>
+                  </a:ext>
+                </a:extLst>
               </a:tr>
             </a:tbl>
           </a:graphicData>
@@ -11465,7 +11380,7 @@
           <a:lstStyle/>
           <a:p>
             <a:r>
-              <a:rPr lang="en-US" smtClean="0"/>
+              <a:rPr lang="en-US"/>
               <a:t>03/04/2017</a:t>
             </a:r>
             <a:endParaRPr lang="en-US" dirty="0"/>
@@ -11488,7 +11403,7 @@
           <a:lstStyle/>
           <a:p>
             <a:r>
-              <a:rPr lang="en-US" smtClean="0"/>
+              <a:rPr lang="en-US"/>
               <a:t>deepschema.org: An Ontology for Typing Entities in the Web of Data</a:t>
             </a:r>
             <a:endParaRPr lang="en-US" dirty="0"/>
@@ -12958,7 +12873,7 @@
             <a:p>
               <a:pPr algn="ctr"/>
               <a:r>
-                <a:rPr lang="en-US" sz="1600" b="1" dirty="0" err="1" smtClean="0">
+                <a:rPr lang="en-US" sz="1600" b="1" dirty="0" err="1">
                   <a:solidFill>
                     <a:schemeClr val="bg2">
                       <a:lumMod val="50000"/>
@@ -13005,7 +12920,7 @@
             <a:lstStyle/>
             <a:p>
               <a:r>
-                <a:rPr lang="en-US" sz="900" dirty="0" err="1" smtClean="0">
+                <a:rPr lang="en-US" sz="900" dirty="0" err="1">
                   <a:latin typeface="Helvetica" charset="0"/>
                   <a:ea typeface="Helvetica" charset="0"/>
                   <a:cs typeface="Helvetica" charset="0"/>
@@ -13013,7 +12928,7 @@
                 <a:t>subClass</a:t>
               </a:r>
               <a:r>
-                <a:rPr lang="el-GR" sz="900" dirty="0" smtClean="0">
+                <a:rPr lang="el-GR" sz="900" dirty="0">
                   <a:latin typeface="Helvetica" charset="0"/>
                   <a:ea typeface="Helvetica" charset="0"/>
                   <a:cs typeface="Helvetica" charset="0"/>
@@ -13083,7 +12998,7 @@
             <a:lstStyle/>
             <a:p>
               <a:r>
-                <a:rPr lang="en-US" sz="900" dirty="0" err="1" smtClean="0">
+                <a:rPr lang="en-US" sz="900" dirty="0" err="1">
                   <a:latin typeface="Helvetica" charset="0"/>
                   <a:ea typeface="Helvetica" charset="0"/>
                   <a:cs typeface="Helvetica" charset="0"/>
@@ -13105,13 +13020,6 @@
   <p:clrMapOvr>
     <a:masterClrMapping/>
   </p:clrMapOvr>
-  <p:timing>
-    <p:tnLst>
-      <p:par>
-        <p:cTn id="1" dur="indefinite" restart="never" nodeType="tmRoot"/>
-      </p:par>
-    </p:tnLst>
-  </p:timing>
 </p:sld>
 </file>
 
@@ -13155,17 +13063,16 @@
           <a:lstStyle/>
           <a:p>
             <a:r>
-              <a:rPr lang="en-US" dirty="0" smtClean="0"/>
+              <a:rPr lang="en-US" dirty="0"/>
               <a:t>Evaluation</a:t>
             </a:r>
           </a:p>
           <a:p>
             <a:pPr marL="0" lvl="1" algn="ctr"/>
             <a:r>
-              <a:rPr lang="en-US" sz="2800" b="1" dirty="0" smtClean="0"/>
+              <a:rPr lang="en-US" sz="2800" b="1" dirty="0"/>
               <a:t>(Accuracy, Traversability and Genericity)</a:t>
             </a:r>
-            <a:endParaRPr lang="en-US" sz="2800" b="1" dirty="0"/>
           </a:p>
         </p:txBody>
       </p:sp>
@@ -13185,7 +13092,7 @@
           <a:lstStyle/>
           <a:p>
             <a:r>
-              <a:rPr lang="en-US" smtClean="0"/>
+              <a:rPr lang="en-US"/>
               <a:t>03/04/2017</a:t>
             </a:r>
             <a:endParaRPr lang="en-US" dirty="0"/>
@@ -13208,7 +13115,7 @@
           <a:lstStyle/>
           <a:p>
             <a:r>
-              <a:rPr lang="en-US" smtClean="0"/>
+              <a:rPr lang="en-US"/>
               <a:t>deepschema.org: An Ontology for Typing Entities in the Web of Data</a:t>
             </a:r>
             <a:endParaRPr lang="en-US" dirty="0"/>
@@ -13249,13 +13156,6 @@
   <p:clrMapOvr>
     <a:masterClrMapping/>
   </p:clrMapOvr>
-  <p:timing>
-    <p:tnLst>
-      <p:par>
-        <p:cTn id="1" dur="indefinite" restart="never" nodeType="tmRoot"/>
-      </p:par>
-    </p:tnLst>
-  </p:timing>
 </p:sld>
 </file>
 
@@ -13292,10 +13192,9 @@
           <a:lstStyle/>
           <a:p>
             <a:r>
-              <a:rPr lang="en-US" dirty="0" smtClean="0"/>
+              <a:rPr lang="en-US" dirty="0"/>
               <a:t>Accuracy: Crowdsourcing Evaluation</a:t>
             </a:r>
-            <a:endParaRPr lang="en-US" dirty="0"/>
           </a:p>
         </p:txBody>
       </p:sp>
@@ -13322,17 +13221,17 @@
           <a:lstStyle/>
           <a:p>
             <a:r>
-              <a:rPr lang="en-US" dirty="0" err="1" smtClean="0"/>
+              <a:rPr lang="en-US" dirty="0" err="1"/>
               <a:t>CrowdFlower</a:t>
             </a:r>
             <a:r>
-              <a:rPr lang="en-US" dirty="0" smtClean="0"/>
+              <a:rPr lang="en-US" dirty="0"/>
               <a:t> Platform</a:t>
             </a:r>
           </a:p>
           <a:p>
             <a:r>
-              <a:rPr lang="en-US" dirty="0" smtClean="0"/>
+              <a:rPr lang="en-US" dirty="0"/>
               <a:t>~100 workers</a:t>
             </a:r>
           </a:p>
@@ -13360,7 +13259,7 @@
           <a:lstStyle/>
           <a:p>
             <a:r>
-              <a:rPr lang="en-US" smtClean="0"/>
+              <a:rPr lang="en-US"/>
               <a:t>03/04/2017</a:t>
             </a:r>
             <a:endParaRPr lang="en-US" dirty="0"/>
@@ -13383,7 +13282,7 @@
           <a:lstStyle/>
           <a:p>
             <a:r>
-              <a:rPr lang="en-US" smtClean="0"/>
+              <a:rPr lang="en-US"/>
               <a:t>deepschema.org: An Ontology for Typing Entities in the Web of Data</a:t>
             </a:r>
             <a:endParaRPr lang="en-US" dirty="0"/>
@@ -13436,7 +13335,7 @@
             </a:clrChange>
             <a:extLst>
               <a:ext uri="{28A0092B-C50C-407E-A947-70E740481C1C}">
-                <a14:useLocalDpi xmlns:a14="http://schemas.microsoft.com/office/drawing/2010/main" val="0"/>
+                <a14:useLocalDpi xmlns:a14="http://schemas.microsoft.com/office/drawing/2010/main"/>
               </a:ext>
             </a:extLst>
           </a:blip>
@@ -13479,13 +13378,6 @@
   <p:clrMapOvr>
     <a:masterClrMapping/>
   </p:clrMapOvr>
-  <p:timing>
-    <p:tnLst>
-      <p:par>
-        <p:cTn id="1" dur="indefinite" restart="never" nodeType="tmRoot"/>
-      </p:par>
-    </p:tnLst>
-  </p:timing>
 </p:sld>
 </file>
 
@@ -13548,97 +13440,92 @@
             <a:pPr marL="0" indent="0">
               <a:buNone/>
             </a:pPr>
-            <a:endParaRPr lang="en-US" dirty="0" smtClean="0"/>
+            <a:endParaRPr lang="en-US" dirty="0"/>
           </a:p>
           <a:p>
             <a:pPr marL="0" indent="0">
               <a:buNone/>
             </a:pPr>
-            <a:endParaRPr lang="en-US" dirty="0" smtClean="0"/>
+            <a:endParaRPr lang="en-US" dirty="0"/>
           </a:p>
           <a:p>
             <a:pPr marL="0" indent="0">
               <a:buNone/>
             </a:pPr>
             <a:r>
-              <a:rPr lang="en-US" dirty="0" err="1" smtClean="0"/>
+              <a:rPr lang="en-US" dirty="0" err="1"/>
               <a:t>Wikidata</a:t>
             </a:r>
             <a:r>
-              <a:rPr lang="en-US" dirty="0" smtClean="0"/>
+              <a:rPr lang="en-US" dirty="0"/>
               <a:t>: </a:t>
             </a:r>
             <a:r>
               <a:rPr lang="en-US" b="1" dirty="0"/>
-              <a:t>92</a:t>
-            </a:r>
-            <a:r>
-              <a:rPr lang="en-US" b="1" dirty="0" smtClean="0"/>
-              <a:t>%</a:t>
+              <a:t>92%</a:t>
             </a:r>
           </a:p>
           <a:p>
             <a:pPr marL="0" indent="0">
               <a:buNone/>
             </a:pPr>
-            <a:endParaRPr lang="en-US" dirty="0" smtClean="0"/>
+            <a:endParaRPr lang="en-US" dirty="0"/>
           </a:p>
           <a:p>
             <a:pPr marL="0" indent="0">
               <a:buNone/>
             </a:pPr>
             <a:r>
-              <a:rPr lang="en-US" dirty="0" err="1" smtClean="0"/>
+              <a:rPr lang="en-US" dirty="0" err="1"/>
               <a:t>schema.org</a:t>
             </a:r>
             <a:r>
-              <a:rPr lang="en-US" dirty="0" smtClean="0"/>
+              <a:rPr lang="en-US" dirty="0"/>
               <a:t>: </a:t>
             </a:r>
             <a:r>
-              <a:rPr lang="en-US" b="1" dirty="0" smtClean="0"/>
+              <a:rPr lang="en-US" b="1" dirty="0"/>
               <a:t>100%</a:t>
             </a:r>
             <a:br>
-              <a:rPr lang="en-US" b="1" dirty="0" smtClean="0"/>
+              <a:rPr lang="en-US" b="1" dirty="0"/>
             </a:br>
             <a:r>
-              <a:rPr lang="en-US" dirty="0" smtClean="0"/>
+              <a:rPr lang="en-US" dirty="0"/>
               <a:t>(assumed)</a:t>
             </a:r>
-            <a:endParaRPr lang="en-US" dirty="0"/>
-          </a:p>
-          <a:p>
-            <a:endParaRPr lang="en-US" sz="2400" i="1" dirty="0" smtClean="0"/>
-          </a:p>
-          <a:p>
-            <a:endParaRPr lang="en-US" sz="2400" i="1" dirty="0" smtClean="0"/>
-          </a:p>
-          <a:p>
-            <a:endParaRPr lang="en-US" sz="2400" i="1" dirty="0" smtClean="0"/>
-          </a:p>
-          <a:p>
-            <a:r>
-              <a:rPr lang="en-US" sz="2400" i="1" dirty="0" smtClean="0"/>
+          </a:p>
+          <a:p>
+            <a:endParaRPr lang="en-US" sz="2400" i="1" dirty="0"/>
+          </a:p>
+          <a:p>
+            <a:endParaRPr lang="en-US" sz="2400" i="1" dirty="0"/>
+          </a:p>
+          <a:p>
+            <a:endParaRPr lang="en-US" sz="2400" i="1" dirty="0"/>
+          </a:p>
+          <a:p>
+            <a:r>
+              <a:rPr lang="en-US" sz="2400" i="1" dirty="0"/>
               <a:t>YAGO (Wikipedia Categories - Word</a:t>
             </a:r>
             <a:r>
-              <a:rPr lang="el-GR" sz="2400" i="1" dirty="0" smtClean="0"/>
+              <a:rPr lang="el-GR" sz="2400" i="1" dirty="0"/>
               <a:t>Ν</a:t>
             </a:r>
             <a:r>
-              <a:rPr lang="en-US" sz="2400" i="1" dirty="0" smtClean="0"/>
+              <a:rPr lang="en-US" sz="2400" i="1" dirty="0"/>
               <a:t>et):</a:t>
             </a:r>
             <a:r>
-              <a:rPr lang="el-GR" sz="2400" i="1" dirty="0" smtClean="0"/>
+              <a:rPr lang="el-GR" sz="2400" i="1" dirty="0"/>
               <a:t> </a:t>
             </a:r>
             <a:r>
-              <a:rPr lang="el-GR" sz="2400" b="1" i="1" dirty="0" smtClean="0"/>
+              <a:rPr lang="el-GR" sz="2400" b="1" i="1" dirty="0"/>
               <a:t>95%</a:t>
             </a:r>
-            <a:endParaRPr lang="en-US" sz="2400" b="1" i="1" dirty="0" smtClean="0"/>
+            <a:endParaRPr lang="en-US" sz="2400" b="1" i="1" dirty="0"/>
           </a:p>
           <a:p>
             <a:r>
@@ -13650,72 +13537,39 @@
               <a:t>DBpedia</a:t>
             </a:r>
             <a:r>
-              <a:rPr lang="en-US" sz="2400" i="1" dirty="0" smtClean="0"/>
+              <a:rPr lang="en-US" sz="2400" i="1" dirty="0"/>
               <a:t>)</a:t>
             </a:r>
             <a:r>
-              <a:rPr lang="el-GR" sz="2400" i="1" dirty="0" smtClean="0"/>
+              <a:rPr lang="el-GR" sz="2400" i="1" dirty="0"/>
               <a:t>:</a:t>
             </a:r>
             <a:r>
-              <a:rPr lang="en-US" sz="2400" i="1" dirty="0" smtClean="0"/>
+              <a:rPr lang="en-US" sz="2400" i="1" dirty="0"/>
               <a:t> </a:t>
             </a:r>
             <a:r>
-              <a:rPr lang="en-US" sz="2400" b="1" i="1" dirty="0" smtClean="0"/>
+              <a:rPr lang="en-US" sz="2400" b="1" i="1" dirty="0"/>
               <a:t>90%</a:t>
             </a:r>
-            <a:endParaRPr lang="en-US" sz="2400" b="1" i="1" dirty="0"/>
           </a:p>
           <a:p>
             <a:pPr marL="0" indent="0" algn="ctr">
               <a:buNone/>
             </a:pPr>
-            <a:endParaRPr lang="en-US" sz="2400" b="1" i="1" dirty="0" smtClean="0"/>
+            <a:endParaRPr lang="en-US" sz="2400" b="1" i="1" dirty="0"/>
           </a:p>
           <a:p>
             <a:pPr marL="0" indent="0" algn="ctr">
               <a:buNone/>
             </a:pPr>
             <a:r>
-              <a:rPr lang="en-US" sz="2400" dirty="0" smtClean="0">
+              <a:rPr lang="en-US" sz="2400" dirty="0">
                 <a:solidFill>
                   <a:schemeClr val="accent2"/>
                 </a:solidFill>
               </a:rPr>
-              <a:t>Comparable with integration </a:t>
-            </a:r>
-            <a:r>
-              <a:rPr lang="en-US" sz="2400" dirty="0">
-                <a:solidFill>
-                  <a:schemeClr val="accent2"/>
-                </a:solidFill>
-              </a:rPr>
-              <a:t>t</a:t>
-            </a:r>
-            <a:r>
-              <a:rPr lang="en-US" sz="2400" dirty="0" smtClean="0">
-                <a:solidFill>
-                  <a:schemeClr val="accent2"/>
-                </a:solidFill>
-              </a:rPr>
-              <a:t>echniques for similar data </a:t>
-            </a:r>
-            <a:r>
-              <a:rPr lang="en-US" sz="2400" dirty="0">
-                <a:solidFill>
-                  <a:schemeClr val="accent2"/>
-                </a:solidFill>
-              </a:rPr>
-              <a:t>s</a:t>
-            </a:r>
-            <a:r>
-              <a:rPr lang="en-US" sz="2400" dirty="0" smtClean="0">
-                <a:solidFill>
-                  <a:schemeClr val="accent2"/>
-                </a:solidFill>
-              </a:rPr>
-              <a:t>ources</a:t>
+              <a:t>Comparable with integration techniques for similar data sources</a:t>
             </a:r>
           </a:p>
         </p:txBody>
@@ -13736,7 +13590,7 @@
           <a:lstStyle/>
           <a:p>
             <a:r>
-              <a:rPr lang="en-US" smtClean="0"/>
+              <a:rPr lang="en-US"/>
               <a:t>03/04/2017</a:t>
             </a:r>
             <a:endParaRPr lang="en-US" dirty="0"/>
@@ -13759,7 +13613,7 @@
           <a:lstStyle/>
           <a:p>
             <a:r>
-              <a:rPr lang="en-US" smtClean="0"/>
+              <a:rPr lang="en-US"/>
               <a:t>deepschema.org: An Ontology for Typing Entities in the Web of Data</a:t>
             </a:r>
             <a:endParaRPr lang="en-US" dirty="0"/>
@@ -13824,13 +13678,6 @@
   <p:clrMapOvr>
     <a:masterClrMapping/>
   </p:clrMapOvr>
-  <p:timing>
-    <p:tnLst>
-      <p:par>
-        <p:cTn id="1" dur="indefinite" restart="never" nodeType="tmRoot"/>
-      </p:par>
-    </p:tnLst>
-  </p:timing>
 </p:sld>
 </file>
 
@@ -13888,13 +13735,13 @@
           <a:bodyPr/>
           <a:lstStyle/>
           <a:p>
-            <a:endParaRPr lang="en-US" dirty="0" smtClean="0"/>
-          </a:p>
-          <a:p>
             <a:endParaRPr lang="en-US" dirty="0"/>
           </a:p>
           <a:p>
-            <a:endParaRPr lang="en-US" dirty="0" smtClean="0"/>
+            <a:endParaRPr lang="en-US" dirty="0"/>
+          </a:p>
+          <a:p>
+            <a:endParaRPr lang="en-US" dirty="0"/>
           </a:p>
         </p:txBody>
       </p:sp>
@@ -13914,7 +13761,7 @@
           <a:lstStyle/>
           <a:p>
             <a:r>
-              <a:rPr lang="en-US" smtClean="0"/>
+              <a:rPr lang="en-US"/>
               <a:t>03/04/2017</a:t>
             </a:r>
             <a:endParaRPr lang="en-US" dirty="0"/>
@@ -13937,7 +13784,7 @@
           <a:lstStyle/>
           <a:p>
             <a:r>
-              <a:rPr lang="en-US" smtClean="0"/>
+              <a:rPr lang="en-US"/>
               <a:t>deepschema.org: An Ontology for Typing Entities in the Web of Data</a:t>
             </a:r>
             <a:endParaRPr lang="en-US" dirty="0"/>
@@ -14152,7 +13999,7 @@
           </a:lstStyle>
           <a:p>
             <a:r>
-              <a:rPr lang="en-US" sz="2400" dirty="0" smtClean="0">
+              <a:rPr lang="en-US" sz="2400" dirty="0">
                 <a:solidFill>
                   <a:schemeClr val="accent2"/>
                 </a:solidFill>
@@ -14160,7 +14007,7 @@
               <a:t>False class definition						  </a:t>
             </a:r>
             <a:r>
-              <a:rPr lang="en-US" sz="2400" b="1" dirty="0" smtClean="0">
+              <a:rPr lang="en-US" sz="2400" b="1" dirty="0">
                 <a:solidFill>
                   <a:schemeClr val="accent2"/>
                 </a:solidFill>
@@ -14171,7 +14018,7 @@
               </a:rPr>
               <a:t></a:t>
             </a:r>
-            <a:endParaRPr lang="en-US" sz="2400" dirty="0" smtClean="0">
+            <a:endParaRPr lang="en-US" sz="2400" dirty="0">
               <a:solidFill>
                 <a:schemeClr val="accent2"/>
               </a:solidFill>
@@ -14180,7 +14027,7 @@
           <a:p>
             <a:pPr lvl="1"/>
             <a:r>
-              <a:rPr lang="en-US" sz="1800" b="1" dirty="0" err="1" smtClean="0">
+              <a:rPr lang="en-US" sz="1800" b="1" dirty="0" err="1">
                 <a:solidFill>
                   <a:schemeClr val="accent2"/>
                 </a:solidFill>
@@ -14188,7 +14035,7 @@
               <a:t>partOf</a:t>
             </a:r>
             <a:r>
-              <a:rPr lang="en-US" sz="1800" dirty="0" smtClean="0">
+              <a:rPr lang="en-US" sz="1800" dirty="0">
                 <a:solidFill>
                   <a:schemeClr val="accent2"/>
                 </a:solidFill>
@@ -14196,14 +14043,14 @@
               <a:t> relations interpreted into </a:t>
             </a:r>
             <a:r>
-              <a:rPr lang="en-US" sz="1800" b="1" dirty="0" err="1" smtClean="0">
+              <a:rPr lang="en-US" sz="1800" b="1" dirty="0" err="1">
                 <a:solidFill>
                   <a:schemeClr val="accent2"/>
                 </a:solidFill>
               </a:rPr>
               <a:t>subclassOf</a:t>
             </a:r>
-            <a:endParaRPr lang="en-US" sz="1800" b="1" dirty="0" smtClean="0">
+            <a:endParaRPr lang="en-US" sz="1800" b="1" dirty="0">
               <a:solidFill>
                 <a:schemeClr val="accent2"/>
               </a:solidFill>
@@ -14215,7 +14062,7 @@
           </a:p>
           <a:p>
             <a:r>
-              <a:rPr lang="en-US" sz="2400" dirty="0" smtClean="0">
+              <a:rPr lang="en-US" sz="2400" dirty="0">
                 <a:solidFill>
                   <a:schemeClr val="accent3"/>
                 </a:solidFill>
@@ -14223,7 +14070,7 @@
               <a:t>Topic not covered by </a:t>
             </a:r>
             <a:r>
-              <a:rPr lang="en-US" sz="2400" dirty="0" err="1" smtClean="0">
+              <a:rPr lang="en-US" sz="2400" dirty="0" err="1">
                 <a:solidFill>
                   <a:schemeClr val="accent3"/>
                 </a:solidFill>
@@ -14231,7 +14078,7 @@
               <a:t>schema.org</a:t>
             </a:r>
             <a:r>
-              <a:rPr lang="en-US" sz="2400" dirty="0" smtClean="0">
+              <a:rPr lang="en-US" sz="2400" dirty="0">
                 <a:solidFill>
                   <a:schemeClr val="accent3"/>
                 </a:solidFill>
@@ -14239,7 +14086,7 @@
               <a:t>				  </a:t>
             </a:r>
             <a:r>
-              <a:rPr lang="en-US" sz="2400" b="1" dirty="0" smtClean="0">
+              <a:rPr lang="en-US" sz="2400" b="1" dirty="0">
                 <a:solidFill>
                   <a:schemeClr val="accent3"/>
                 </a:solidFill>
@@ -14250,7 +14097,7 @@
               </a:rPr>
               <a:t></a:t>
             </a:r>
-            <a:endParaRPr lang="en-US" sz="2400" dirty="0" smtClean="0">
+            <a:endParaRPr lang="en-US" sz="2400" dirty="0">
               <a:solidFill>
                 <a:schemeClr val="accent3"/>
               </a:solidFill>
@@ -14259,7 +14106,7 @@
           <a:p>
             <a:pPr lvl="1"/>
             <a:r>
-              <a:rPr lang="en-US" sz="1800" dirty="0" smtClean="0">
+              <a:rPr lang="en-US" sz="1800" dirty="0">
                 <a:solidFill>
                   <a:schemeClr val="accent3"/>
                 </a:solidFill>
@@ -14267,18 +14114,13 @@
               <a:t>Class </a:t>
             </a:r>
             <a:r>
-              <a:rPr lang="en-US" sz="1800" b="1" dirty="0" smtClean="0">
+              <a:rPr lang="en-US" sz="1800" b="1" dirty="0">
                 <a:solidFill>
                   <a:schemeClr val="accent3"/>
                 </a:solidFill>
               </a:rPr>
               <a:t>Child Abuse</a:t>
             </a:r>
-            <a:endParaRPr lang="en-US" sz="1800" b="1" dirty="0">
-              <a:solidFill>
-                <a:schemeClr val="accent3"/>
-              </a:solidFill>
-            </a:endParaRPr>
           </a:p>
         </p:txBody>
       </p:sp>
@@ -14292,13 +14134,6 @@
   <p:clrMapOvr>
     <a:masterClrMapping/>
   </p:clrMapOvr>
-  <p:timing>
-    <p:tnLst>
-      <p:par>
-        <p:cTn id="1" dur="indefinite" restart="never" nodeType="tmRoot"/>
-      </p:par>
-    </p:tnLst>
-  </p:timing>
 </p:sld>
 </file>
 
@@ -14335,10 +14170,9 @@
           <a:lstStyle/>
           <a:p>
             <a:r>
-              <a:rPr lang="en-US" dirty="0" smtClean="0"/>
+              <a:rPr lang="en-US" dirty="0"/>
               <a:t>Genericity</a:t>
             </a:r>
-            <a:endParaRPr lang="en-US" dirty="0"/>
           </a:p>
         </p:txBody>
       </p:sp>
@@ -14361,15 +14195,9 @@
               <a:buNone/>
             </a:pPr>
             <a:r>
-              <a:rPr lang="en-US" dirty="0" smtClean="0"/>
+              <a:rPr lang="en-US" dirty="0"/>
               <a:t>Oxford English Dictionary</a:t>
             </a:r>
-          </a:p>
-          <a:p>
-            <a:pPr marL="0" indent="0" algn="ctr">
-              <a:buNone/>
-            </a:pPr>
-            <a:endParaRPr lang="en-US" dirty="0" smtClean="0"/>
           </a:p>
           <a:p>
             <a:pPr marL="0" indent="0" algn="ctr">
@@ -14381,16 +14209,16 @@
             <a:pPr marL="0" indent="0" algn="ctr">
               <a:buNone/>
             </a:pPr>
-            <a:r>
-              <a:rPr lang="en-US" dirty="0" smtClean="0"/>
-              <a:t>3000 most frequent English words</a:t>
-            </a:r>
+            <a:endParaRPr lang="en-US" dirty="0"/>
           </a:p>
           <a:p>
             <a:pPr marL="0" indent="0" algn="ctr">
               <a:buNone/>
             </a:pPr>
-            <a:endParaRPr lang="en-US" dirty="0" smtClean="0"/>
+            <a:r>
+              <a:rPr lang="en-US" dirty="0"/>
+              <a:t>3000 most frequent English words</a:t>
+            </a:r>
           </a:p>
           <a:p>
             <a:pPr marL="0" indent="0" algn="ctr">
@@ -14402,8 +14230,14 @@
             <a:pPr marL="0" indent="0" algn="ctr">
               <a:buNone/>
             </a:pPr>
-            <a:r>
-              <a:rPr lang="en-US" dirty="0" smtClean="0"/>
+            <a:endParaRPr lang="en-US" dirty="0"/>
+          </a:p>
+          <a:p>
+            <a:pPr marL="0" indent="0" algn="ctr">
+              <a:buNone/>
+            </a:pPr>
+            <a:r>
+              <a:rPr lang="en-US" dirty="0"/>
               <a:t>Nouns and Noun Phrases</a:t>
             </a:r>
           </a:p>
@@ -14417,14 +14251,14 @@
             <a:pPr marL="0" indent="0" algn="ctr">
               <a:buNone/>
             </a:pPr>
-            <a:endParaRPr lang="en-US" dirty="0" smtClean="0"/>
+            <a:endParaRPr lang="en-US" dirty="0"/>
           </a:p>
           <a:p>
             <a:pPr marL="0" indent="0" algn="ctr">
               <a:buNone/>
             </a:pPr>
             <a:r>
-              <a:rPr lang="en-US" b="1" dirty="0" smtClean="0">
+              <a:rPr lang="en-US" b="1" dirty="0">
                 <a:solidFill>
                   <a:schemeClr val="accent2"/>
                 </a:solidFill>
@@ -14432,10 +14266,9 @@
               <a:t>81%</a:t>
             </a:r>
             <a:r>
-              <a:rPr lang="en-US" dirty="0" smtClean="0"/>
+              <a:rPr lang="en-US" dirty="0"/>
               <a:t> coverage</a:t>
             </a:r>
-            <a:endParaRPr lang="en-US" dirty="0"/>
           </a:p>
         </p:txBody>
       </p:sp>
@@ -14455,7 +14288,7 @@
           <a:lstStyle/>
           <a:p>
             <a:r>
-              <a:rPr lang="en-US" smtClean="0"/>
+              <a:rPr lang="en-US"/>
               <a:t>03/04/2017</a:t>
             </a:r>
             <a:endParaRPr lang="en-US" dirty="0"/>
@@ -14478,7 +14311,7 @@
           <a:lstStyle/>
           <a:p>
             <a:r>
-              <a:rPr lang="en-US" smtClean="0"/>
+              <a:rPr lang="en-US"/>
               <a:t>deepschema.org: An Ontology for Typing Entities in the Web of Data</a:t>
             </a:r>
             <a:endParaRPr lang="en-US" dirty="0"/>
@@ -14621,13 +14454,6 @@
   <p:clrMapOvr>
     <a:masterClrMapping/>
   </p:clrMapOvr>
-  <p:timing>
-    <p:tnLst>
-      <p:par>
-        <p:cTn id="1" dur="indefinite" restart="never" nodeType="tmRoot"/>
-      </p:par>
-    </p:tnLst>
-  </p:timing>
 </p:sld>
 </file>
 
@@ -14664,10 +14490,9 @@
           <a:lstStyle/>
           <a:p>
             <a:r>
-              <a:rPr lang="en-US" dirty="0" smtClean="0"/>
+              <a:rPr lang="en-US" dirty="0"/>
               <a:t>Conclusions &amp; Future Work</a:t>
             </a:r>
-            <a:endParaRPr lang="en-US" dirty="0"/>
           </a:p>
         </p:txBody>
       </p:sp>
@@ -14688,42 +14513,42 @@
           </a:bodyPr>
           <a:lstStyle/>
           <a:p>
-            <a:endParaRPr lang="en-US" dirty="0" smtClean="0"/>
-          </a:p>
-          <a:p>
-            <a:endParaRPr lang="en-US" dirty="0" smtClean="0"/>
-          </a:p>
-          <a:p>
-            <a:endParaRPr lang="en-US" dirty="0" smtClean="0"/>
-          </a:p>
-          <a:p>
             <a:endParaRPr lang="en-US" dirty="0"/>
           </a:p>
           <a:p>
-            <a:endParaRPr lang="en-US" dirty="0" smtClean="0"/>
-          </a:p>
-          <a:p>
             <a:endParaRPr lang="en-US" dirty="0"/>
           </a:p>
           <a:p>
-            <a:endParaRPr lang="en-US" dirty="0" smtClean="0"/>
-          </a:p>
-          <a:p>
             <a:endParaRPr lang="en-US" dirty="0"/>
           </a:p>
           <a:p>
-            <a:endParaRPr lang="en-US" dirty="0" smtClean="0"/>
-          </a:p>
-          <a:p>
-            <a:r>
-              <a:rPr lang="en-US" dirty="0" smtClean="0"/>
+            <a:endParaRPr lang="en-US" dirty="0"/>
+          </a:p>
+          <a:p>
+            <a:endParaRPr lang="en-US" dirty="0"/>
+          </a:p>
+          <a:p>
+            <a:endParaRPr lang="en-US" dirty="0"/>
+          </a:p>
+          <a:p>
+            <a:endParaRPr lang="en-US" dirty="0"/>
+          </a:p>
+          <a:p>
+            <a:endParaRPr lang="en-US" dirty="0"/>
+          </a:p>
+          <a:p>
+            <a:endParaRPr lang="en-US" dirty="0"/>
+          </a:p>
+          <a:p>
+            <a:r>
+              <a:rPr lang="en-US" dirty="0"/>
               <a:t>Integrate more data sources</a:t>
             </a:r>
           </a:p>
           <a:p>
             <a:pPr lvl="1"/>
             <a:r>
-              <a:rPr lang="en-US" dirty="0" smtClean="0"/>
+              <a:rPr lang="en-US" dirty="0"/>
               <a:t>Facebook’s Open Graph</a:t>
             </a:r>
           </a:p>
@@ -14733,21 +14558,21 @@
           </a:p>
           <a:p>
             <a:r>
-              <a:rPr lang="en-US" dirty="0" smtClean="0"/>
+              <a:rPr lang="en-US" dirty="0"/>
               <a:t>Include customizable filters</a:t>
             </a:r>
           </a:p>
           <a:p>
             <a:pPr lvl="1"/>
             <a:r>
-              <a:rPr lang="en-US" dirty="0" smtClean="0"/>
+              <a:rPr lang="en-US" dirty="0"/>
               <a:t>Control the granularity of the ontology</a:t>
             </a:r>
           </a:p>
           <a:p>
             <a:pPr lvl="1"/>
             <a:r>
-              <a:rPr lang="en-US" dirty="0" smtClean="0"/>
+              <a:rPr lang="en-US" dirty="0"/>
               <a:t>Choose specific topics of interest</a:t>
             </a:r>
           </a:p>
@@ -14757,22 +14582,22 @@
           </a:p>
           <a:p>
             <a:r>
-              <a:rPr lang="en-US" dirty="0" smtClean="0"/>
+              <a:rPr lang="en-US" dirty="0"/>
               <a:t>Employ </a:t>
             </a:r>
             <a:r>
-              <a:rPr lang="en-US" dirty="0" err="1" smtClean="0"/>
+              <a:rPr lang="en-US" dirty="0" err="1"/>
               <a:t>deepschema.org</a:t>
             </a:r>
             <a:r>
-              <a:rPr lang="en-US" dirty="0" smtClean="0"/>
+              <a:rPr lang="en-US" dirty="0"/>
               <a:t> in use-cases</a:t>
             </a:r>
           </a:p>
           <a:p>
             <a:pPr lvl="1"/>
             <a:r>
-              <a:rPr lang="en-US" dirty="0" smtClean="0"/>
+              <a:rPr lang="en-US" dirty="0"/>
               <a:t>Discover the appropriate type (class) of an entity, given a context</a:t>
             </a:r>
           </a:p>
@@ -14794,7 +14619,7 @@
           <a:lstStyle/>
           <a:p>
             <a:r>
-              <a:rPr lang="en-US" smtClean="0"/>
+              <a:rPr lang="en-US"/>
               <a:t>03/04/2017</a:t>
             </a:r>
             <a:endParaRPr lang="en-US" dirty="0"/>
@@ -14817,7 +14642,7 @@
           <a:lstStyle/>
           <a:p>
             <a:r>
-              <a:rPr lang="en-US" smtClean="0"/>
+              <a:rPr lang="en-US"/>
               <a:t>deepschema.org: An Ontology for Typing Entities in the Web of Data</a:t>
             </a:r>
             <a:endParaRPr lang="en-US" dirty="0"/>
@@ -15033,14 +14858,14 @@
                 <a:rPr lang="en-US" sz="2800" dirty="0" err="1"/>
                 <a:t>deepschema.org</a:t>
               </a:r>
-              <a:endParaRPr lang="el-GR" sz="2000" dirty="0" smtClean="0"/>
+              <a:endParaRPr lang="el-GR" sz="2000" dirty="0"/>
             </a:p>
             <a:p>
               <a:pPr marL="342900" lvl="1" indent="-342900">
                 <a:buFont typeface="Wingdings" charset="2"/>
                 <a:buChar char="ü"/>
               </a:pPr>
-              <a:endParaRPr lang="en-US" sz="1000" dirty="0" smtClean="0">
+              <a:endParaRPr lang="en-US" sz="1000" dirty="0">
                 <a:solidFill>
                   <a:schemeClr val="accent3">
                     <a:lumMod val="50000"/>
@@ -15054,17 +14879,33 @@
                 <a:buChar char="ü"/>
               </a:pPr>
               <a:r>
-                <a:rPr lang="en-US" sz="2000" dirty="0" smtClean="0">
+                <a:rPr lang="en-US" sz="2000" dirty="0">
                   <a:solidFill>
                     <a:schemeClr val="accent3">
                       <a:lumMod val="50000"/>
                     </a:schemeClr>
                   </a:solidFill>
                 </a:rPr>
-                <a:t>generic</a:t>
+                <a:t>generic, cross-domain</a:t>
+              </a:r>
+            </a:p>
+            <a:p>
+              <a:pPr>
+                <a:buFont typeface="Wingdings" charset="2"/>
+                <a:buChar char="ü"/>
+              </a:pPr>
+              <a:r>
+                <a:rPr lang="en-US" sz="2000" dirty="0">
+                  <a:solidFill>
+                    <a:schemeClr val="accent3">
+                      <a:lumMod val="50000"/>
+                    </a:schemeClr>
+                  </a:solidFill>
+                </a:rPr>
+                <a:t>rich</a:t>
               </a:r>
               <a:r>
-                <a:rPr lang="en-US" sz="2000" dirty="0">
+                <a:rPr lang="el-GR" sz="2000" dirty="0">
                   <a:solidFill>
                     <a:schemeClr val="accent3">
                       <a:lumMod val="50000"/>
@@ -15074,43 +14915,7 @@
                 <a:t>, </a:t>
               </a:r>
               <a:r>
-                <a:rPr lang="en-US" sz="2000" dirty="0" smtClean="0">
-                  <a:solidFill>
-                    <a:schemeClr val="accent3">
-                      <a:lumMod val="50000"/>
-                    </a:schemeClr>
-                  </a:solidFill>
-                </a:rPr>
-                <a:t>cross-domain</a:t>
-              </a:r>
-            </a:p>
-            <a:p>
-              <a:pPr>
-                <a:buFont typeface="Wingdings" charset="2"/>
-                <a:buChar char="ü"/>
-              </a:pPr>
-              <a:r>
-                <a:rPr lang="en-US" sz="2000" dirty="0" smtClean="0">
-                  <a:solidFill>
-                    <a:schemeClr val="accent3">
-                      <a:lumMod val="50000"/>
-                    </a:schemeClr>
-                  </a:solidFill>
-                </a:rPr>
-                <a:t>rich</a:t>
-              </a:r>
-              <a:r>
-                <a:rPr lang="el-GR" sz="2000" dirty="0" smtClean="0">
-                  <a:solidFill>
-                    <a:schemeClr val="accent3">
-                      <a:lumMod val="50000"/>
-                    </a:schemeClr>
-                  </a:solidFill>
-                </a:rPr>
-                <a:t>, </a:t>
-              </a:r>
-              <a:r>
-                <a:rPr lang="en-US" sz="2000" dirty="0" smtClean="0">
+                <a:rPr lang="en-US" sz="2000" dirty="0">
                   <a:solidFill>
                     <a:schemeClr val="accent3">
                       <a:lumMod val="50000"/>
@@ -15126,7 +14931,7 @@
                 <a:buChar char="ü"/>
               </a:pPr>
               <a:r>
-                <a:rPr lang="en-US" sz="2000" dirty="0" smtClean="0">
+                <a:rPr lang="en-US" sz="2000" dirty="0">
                   <a:solidFill>
                     <a:schemeClr val="accent3">
                       <a:lumMod val="50000"/>
@@ -15135,13 +14940,6 @@
                 </a:rPr>
                 <a:t>traversable</a:t>
               </a:r>
-              <a:endParaRPr lang="en-US" sz="2000" dirty="0">
-                <a:solidFill>
-                  <a:schemeClr val="accent3">
-                    <a:lumMod val="50000"/>
-                  </a:schemeClr>
-                </a:solidFill>
-              </a:endParaRPr>
             </a:p>
             <a:p>
               <a:pPr>
@@ -15149,7 +14947,7 @@
                 <a:buChar char="ü"/>
               </a:pPr>
               <a:r>
-                <a:rPr lang="en-US" sz="2000" dirty="0" smtClean="0">
+                <a:rPr lang="en-US" sz="2000" dirty="0">
                   <a:solidFill>
                     <a:schemeClr val="accent3">
                       <a:lumMod val="50000"/>
@@ -15158,13 +14956,6 @@
                 </a:rPr>
                 <a:t>accurate</a:t>
               </a:r>
-              <a:endParaRPr lang="en-US" sz="2000" dirty="0">
-                <a:solidFill>
-                  <a:schemeClr val="accent3">
-                    <a:lumMod val="50000"/>
-                  </a:schemeClr>
-                </a:solidFill>
-              </a:endParaRPr>
             </a:p>
           </p:txBody>
         </p:sp>
@@ -15177,10 +14968,10 @@
             <p:nvPr/>
           </p:nvPicPr>
           <p:blipFill>
-            <a:blip r:embed="rId3">
+            <a:blip r:embed="rId3" cstate="hqprint">
               <a:extLst>
                 <a:ext uri="{28A0092B-C50C-407E-A947-70E740481C1C}">
-                  <a14:useLocalDpi xmlns:a14="http://schemas.microsoft.com/office/drawing/2010/main" val="0"/>
+                  <a14:useLocalDpi xmlns:a14="http://schemas.microsoft.com/office/drawing/2010/main"/>
                 </a:ext>
               </a:extLst>
             </a:blip>
@@ -15209,13 +15000,6 @@
   <p:clrMapOvr>
     <a:masterClrMapping/>
   </p:clrMapOvr>
-  <p:timing>
-    <p:tnLst>
-      <p:par>
-        <p:cTn id="1" dur="indefinite" restart="never" nodeType="tmRoot"/>
-      </p:par>
-    </p:tnLst>
-  </p:timing>
 </p:sld>
 </file>
 
@@ -15254,32 +15038,20 @@
         </p:spPr>
         <p:txBody>
           <a:bodyPr>
-            <a:normAutofit fontScale="62500" lnSpcReduction="20000"/>
+            <a:normAutofit fontScale="55000" lnSpcReduction="20000"/>
           </a:bodyPr>
           <a:lstStyle/>
           <a:p>
             <a:r>
               <a:rPr lang="en-US" dirty="0"/>
-              <a:t>Thanks for your attention</a:t>
-            </a:r>
-            <a:r>
-              <a:rPr lang="en-US" dirty="0" smtClean="0"/>
-              <a:t>!</a:t>
-            </a:r>
-            <a:r>
-              <a:rPr lang="en-US" dirty="0"/>
-              <a:t/>
+              <a:t>Thanks for your attention!</a:t>
             </a:r>
             <a:br>
               <a:rPr lang="en-US" dirty="0"/>
             </a:br>
             <a:r>
               <a:rPr lang="en-US" dirty="0"/>
-              <a:t>Questions</a:t>
-            </a:r>
-            <a:r>
-              <a:rPr lang="en-US" dirty="0" smtClean="0"/>
-              <a:t>?</a:t>
+              <a:t>Questions?</a:t>
             </a:r>
           </a:p>
         </p:txBody>
@@ -15300,7 +15072,7 @@
           <a:lstStyle/>
           <a:p>
             <a:r>
-              <a:rPr lang="en-US" smtClean="0"/>
+              <a:rPr lang="en-US"/>
               <a:t>03/04/2017</a:t>
             </a:r>
             <a:endParaRPr lang="en-US" dirty="0"/>
@@ -15323,7 +15095,7 @@
           <a:lstStyle/>
           <a:p>
             <a:r>
-              <a:rPr lang="en-US" smtClean="0"/>
+              <a:rPr lang="en-US"/>
               <a:t>deepschema.org: An Ontology for Typing Entities in the Web of Data</a:t>
             </a:r>
             <a:endParaRPr lang="en-US" dirty="0"/>
@@ -15363,10 +15135,10 @@
           <p:nvPr/>
         </p:nvPicPr>
         <p:blipFill>
-          <a:blip r:embed="rId3">
+          <a:blip r:embed="rId3" cstate="hqprint">
             <a:extLst>
               <a:ext uri="{28A0092B-C50C-407E-A947-70E740481C1C}">
-                <a14:useLocalDpi xmlns:a14="http://schemas.microsoft.com/office/drawing/2010/main" val="0"/>
+                <a14:useLocalDpi xmlns:a14="http://schemas.microsoft.com/office/drawing/2010/main"/>
               </a:ext>
             </a:extLst>
           </a:blip>
@@ -15394,13 +15166,6 @@
   <p:clrMapOvr>
     <a:masterClrMapping/>
   </p:clrMapOvr>
-  <p:timing>
-    <p:tnLst>
-      <p:par>
-        <p:cTn id="1" dur="indefinite" restart="never" nodeType="tmRoot"/>
-      </p:par>
-    </p:tnLst>
-  </p:timing>
 </p:sld>
 </file>
 
@@ -15447,10 +15212,9 @@
               <a:t>deepschema.org</a:t>
             </a:r>
             <a:r>
-              <a:rPr lang="en-US" dirty="0" smtClean="0"/>
+              <a:rPr lang="en-US" dirty="0"/>
               <a:t>?</a:t>
             </a:r>
-            <a:endParaRPr lang="en-US" dirty="0"/>
           </a:p>
         </p:txBody>
       </p:sp>
@@ -15472,24 +15236,24 @@
           <a:lstStyle/>
           <a:p>
             <a:r>
-              <a:rPr lang="en-US" sz="2000" dirty="0" smtClean="0"/>
+              <a:rPr lang="en-US" sz="2000" dirty="0"/>
               <a:t>Class Hierarchy, Taxonomy</a:t>
             </a:r>
           </a:p>
           <a:p>
-            <a:endParaRPr lang="en-US" sz="2000" dirty="0" smtClean="0"/>
-          </a:p>
-          <a:p>
-            <a:r>
-              <a:rPr lang="en-US" sz="2000" dirty="0" smtClean="0"/>
+            <a:endParaRPr lang="en-US" sz="2000" dirty="0"/>
+          </a:p>
+          <a:p>
+            <a:r>
+              <a:rPr lang="en-US" sz="2000" dirty="0"/>
               <a:t>Describes all the </a:t>
             </a:r>
             <a:r>
-              <a:rPr lang="en-US" sz="2000" b="1" dirty="0" smtClean="0"/>
+              <a:rPr lang="en-US" sz="2000" b="1" dirty="0"/>
               <a:t>possible environments</a:t>
             </a:r>
             <a:r>
-              <a:rPr lang="en-US" sz="2000" dirty="0" smtClean="0"/>
+              <a:rPr lang="en-US" sz="2000" dirty="0"/>
               <a:t> than an entity exists in</a:t>
             </a:r>
           </a:p>
@@ -15497,42 +15261,42 @@
             <a:endParaRPr lang="en-US" sz="2000" dirty="0"/>
           </a:p>
           <a:p>
-            <a:endParaRPr lang="en-US" sz="2000" dirty="0" smtClean="0"/>
-          </a:p>
-          <a:p>
-            <a:endParaRPr lang="en-US" sz="2000" dirty="0" smtClean="0"/>
-          </a:p>
-          <a:p>
-            <a:endParaRPr lang="en-US" sz="2000" dirty="0" smtClean="0"/>
-          </a:p>
-          <a:p>
-            <a:endParaRPr lang="en-US" sz="2000" dirty="0" smtClean="0"/>
-          </a:p>
-          <a:p>
-            <a:r>
-              <a:rPr lang="en-US" sz="2000" dirty="0" smtClean="0"/>
+            <a:endParaRPr lang="en-US" sz="2000" dirty="0"/>
+          </a:p>
+          <a:p>
+            <a:endParaRPr lang="en-US" sz="2000" dirty="0"/>
+          </a:p>
+          <a:p>
+            <a:endParaRPr lang="en-US" sz="2000" dirty="0"/>
+          </a:p>
+          <a:p>
+            <a:endParaRPr lang="en-US" sz="2000" dirty="0"/>
+          </a:p>
+          <a:p>
+            <a:r>
+              <a:rPr lang="en-US" sz="2000" dirty="0"/>
               <a:t>Comprises information from </a:t>
             </a:r>
             <a:r>
-              <a:rPr lang="en-US" sz="2000" b="1" dirty="0" err="1" smtClean="0"/>
+              <a:rPr lang="en-US" sz="2000" b="1" dirty="0" err="1"/>
               <a:t>Wikidata</a:t>
             </a:r>
             <a:r>
-              <a:rPr lang="en-US" sz="2000" dirty="0" smtClean="0"/>
+              <a:rPr lang="en-US" sz="2000" dirty="0"/>
               <a:t> and </a:t>
             </a:r>
             <a:r>
-              <a:rPr lang="en-US" sz="2000" b="1" dirty="0" err="1" smtClean="0"/>
+              <a:rPr lang="en-US" sz="2000" b="1" dirty="0" err="1"/>
               <a:t>schema.org</a:t>
             </a:r>
-            <a:endParaRPr lang="en-US" sz="2000" dirty="0" smtClean="0"/>
-          </a:p>
-          <a:p>
-            <a:endParaRPr lang="en-US" sz="2000" dirty="0" smtClean="0"/>
-          </a:p>
-          <a:p>
-            <a:r>
-              <a:rPr lang="en-US" sz="2000" dirty="0" smtClean="0"/>
+            <a:endParaRPr lang="en-US" sz="2000" dirty="0"/>
+          </a:p>
+          <a:p>
+            <a:endParaRPr lang="en-US" sz="2000" dirty="0"/>
+          </a:p>
+          <a:p>
+            <a:r>
+              <a:rPr lang="en-US" sz="2000" dirty="0"/>
               <a:t>Main features:</a:t>
             </a:r>
           </a:p>
@@ -15540,52 +15304,35 @@
             <a:pPr lvl="1"/>
             <a:r>
               <a:rPr lang="en-US" sz="1800" dirty="0"/>
-              <a:t>g</a:t>
-            </a:r>
-            <a:r>
-              <a:rPr lang="en-US" sz="1800" dirty="0" smtClean="0"/>
-              <a:t>eneric, </a:t>
-            </a:r>
+              <a:t>generic, cross-domain</a:t>
+            </a:r>
+          </a:p>
+          <a:p>
+            <a:pPr lvl="1"/>
             <a:r>
               <a:rPr lang="en-US" sz="1800" dirty="0"/>
-              <a:t>cross-domain</a:t>
+              <a:t>rich</a:t>
+            </a:r>
+            <a:r>
+              <a:rPr lang="el-GR" sz="1800" dirty="0"/>
+              <a:t>, </a:t>
+            </a:r>
+            <a:r>
+              <a:rPr lang="en-US" sz="1800" dirty="0"/>
+              <a:t>evolving as fast as the Web</a:t>
             </a:r>
           </a:p>
           <a:p>
             <a:pPr lvl="1"/>
             <a:r>
-              <a:rPr lang="en-US" sz="1800" dirty="0" smtClean="0"/>
-              <a:t>rich</a:t>
-            </a:r>
-            <a:r>
-              <a:rPr lang="el-GR" sz="1800" dirty="0" smtClean="0"/>
-              <a:t>, </a:t>
-            </a:r>
-            <a:r>
               <a:rPr lang="en-US" sz="1800" dirty="0"/>
-              <a:t>evolving as fast as the </a:t>
-            </a:r>
-            <a:r>
-              <a:rPr lang="en-US" sz="1800" dirty="0" smtClean="0"/>
-              <a:t>Web</a:t>
+              <a:t>traversable</a:t>
             </a:r>
           </a:p>
           <a:p>
             <a:pPr lvl="1"/>
             <a:r>
               <a:rPr lang="en-US" sz="1800" dirty="0"/>
-              <a:t>t</a:t>
-            </a:r>
-            <a:r>
-              <a:rPr lang="en-US" sz="1800" dirty="0" smtClean="0"/>
-              <a:t>raversable</a:t>
-            </a:r>
-            <a:endParaRPr lang="en-US" sz="1800" dirty="0"/>
-          </a:p>
-          <a:p>
-            <a:pPr lvl="1"/>
-            <a:r>
-              <a:rPr lang="en-US" sz="1800" dirty="0" smtClean="0"/>
               <a:t>accurate</a:t>
             </a:r>
           </a:p>
@@ -15612,7 +15359,7 @@
           <a:lstStyle/>
           <a:p>
             <a:r>
-              <a:rPr lang="en-US" smtClean="0"/>
+              <a:rPr lang="en-US"/>
               <a:t>03/04/2017</a:t>
             </a:r>
             <a:endParaRPr lang="en-US" dirty="0"/>
@@ -15669,14 +15416,13 @@
           <a:lstStyle/>
           <a:p>
             <a:r>
-              <a:rPr lang="en-US" dirty="0" err="1" smtClean="0"/>
+              <a:rPr lang="en-US" dirty="0" err="1"/>
               <a:t>deepschema.org</a:t>
             </a:r>
             <a:r>
-              <a:rPr lang="en-US" dirty="0" smtClean="0"/>
+              <a:rPr lang="en-US" dirty="0"/>
               <a:t>: An Ontology for Typing Entities in the Web of Data</a:t>
             </a:r>
-            <a:endParaRPr lang="en-US" dirty="0"/>
           </a:p>
         </p:txBody>
       </p:sp>
@@ -15689,10 +15435,10 @@
           <p:nvPr/>
         </p:nvPicPr>
         <p:blipFill>
-          <a:blip r:embed="rId3">
+          <a:blip r:embed="rId3" cstate="hqprint">
             <a:extLst>
               <a:ext uri="{28A0092B-C50C-407E-A947-70E740481C1C}">
-                <a14:useLocalDpi xmlns:a14="http://schemas.microsoft.com/office/drawing/2010/main" val="0"/>
+                <a14:useLocalDpi xmlns:a14="http://schemas.microsoft.com/office/drawing/2010/main"/>
               </a:ext>
             </a:extLst>
           </a:blip>
@@ -15719,10 +15465,10 @@
           <p:nvPr/>
         </p:nvPicPr>
         <p:blipFill>
-          <a:blip r:embed="rId4">
+          <a:blip r:embed="rId4" cstate="hqprint">
             <a:extLst>
               <a:ext uri="{28A0092B-C50C-407E-A947-70E740481C1C}">
-                <a14:useLocalDpi xmlns:a14="http://schemas.microsoft.com/office/drawing/2010/main" val="0"/>
+                <a14:useLocalDpi xmlns:a14="http://schemas.microsoft.com/office/drawing/2010/main"/>
               </a:ext>
             </a:extLst>
           </a:blip>
@@ -15749,10 +15495,10 @@
           <p:nvPr/>
         </p:nvPicPr>
         <p:blipFill>
-          <a:blip r:embed="rId5">
+          <a:blip r:embed="rId5" cstate="hqprint">
             <a:extLst>
               <a:ext uri="{28A0092B-C50C-407E-A947-70E740481C1C}">
-                <a14:useLocalDpi xmlns:a14="http://schemas.microsoft.com/office/drawing/2010/main" val="0"/>
+                <a14:useLocalDpi xmlns:a14="http://schemas.microsoft.com/office/drawing/2010/main"/>
               </a:ext>
             </a:extLst>
           </a:blip>
@@ -15779,10 +15525,10 @@
           <p:nvPr/>
         </p:nvPicPr>
         <p:blipFill>
-          <a:blip r:embed="rId6">
+          <a:blip r:embed="rId6" cstate="hqprint">
             <a:extLst>
               <a:ext uri="{28A0092B-C50C-407E-A947-70E740481C1C}">
-                <a14:useLocalDpi xmlns:a14="http://schemas.microsoft.com/office/drawing/2010/main" val="0"/>
+                <a14:useLocalDpi xmlns:a14="http://schemas.microsoft.com/office/drawing/2010/main"/>
               </a:ext>
             </a:extLst>
           </a:blip>
@@ -15810,13 +15556,6 @@
   <p:clrMapOvr>
     <a:masterClrMapping/>
   </p:clrMapOvr>
-  <p:timing>
-    <p:tnLst>
-      <p:par>
-        <p:cTn id="1" dur="indefinite" restart="never" nodeType="tmRoot"/>
-      </p:par>
-    </p:tnLst>
-  </p:timing>
 </p:sld>
 </file>
 
@@ -15853,10 +15592,9 @@
           <a:lstStyle/>
           <a:p>
             <a:r>
-              <a:rPr lang="en-US" dirty="0" smtClean="0"/>
+              <a:rPr lang="en-US" dirty="0"/>
               <a:t>Related Work</a:t>
             </a:r>
-            <a:endParaRPr lang="en-US" dirty="0"/>
           </a:p>
         </p:txBody>
       </p:sp>
@@ -15876,7 +15614,7 @@
           <a:lstStyle/>
           <a:p>
             <a:r>
-              <a:rPr lang="en-US" smtClean="0"/>
+              <a:rPr lang="en-US"/>
               <a:t>03/04/2017</a:t>
             </a:r>
             <a:endParaRPr lang="en-US" dirty="0"/>
@@ -15899,14 +15637,13 @@
           <a:lstStyle/>
           <a:p>
             <a:r>
-              <a:rPr lang="en-US" dirty="0" err="1" smtClean="0"/>
+              <a:rPr lang="en-US" dirty="0" err="1"/>
               <a:t>deepschema.org</a:t>
             </a:r>
             <a:r>
-              <a:rPr lang="en-US" dirty="0" smtClean="0"/>
+              <a:rPr lang="en-US" dirty="0"/>
               <a:t>: An Ontology for Typing Entities in the Web of Data</a:t>
             </a:r>
-            <a:endParaRPr lang="en-US" dirty="0"/>
           </a:p>
         </p:txBody>
       </p:sp>
@@ -16128,10 +15865,10 @@
               <a:buNone/>
             </a:pPr>
             <a:r>
-              <a:rPr lang="en-US" sz="2800" dirty="0" smtClean="0"/>
+              <a:rPr lang="en-US" sz="2800" dirty="0"/>
               <a:t>YAGO Taxonomy</a:t>
             </a:r>
-            <a:endParaRPr lang="el-GR" sz="2000" dirty="0" smtClean="0"/>
+            <a:endParaRPr lang="el-GR" sz="2000" dirty="0"/>
           </a:p>
           <a:p>
             <a:pPr>
@@ -16139,7 +15876,7 @@
               <a:buChar char="ü"/>
             </a:pPr>
             <a:r>
-              <a:rPr lang="en-US" sz="2000" dirty="0" smtClean="0">
+              <a:rPr lang="en-US" sz="2000" dirty="0">
                 <a:solidFill>
                   <a:schemeClr val="accent3">
                     <a:lumMod val="50000"/>
@@ -16209,14 +15946,14 @@
             <a:pPr marL="0" lvl="1" indent="0" algn="ctr">
               <a:buNone/>
             </a:pPr>
-            <a:endParaRPr lang="en-US" sz="1800" dirty="0" smtClean="0"/>
+            <a:endParaRPr lang="en-US" sz="1800" dirty="0"/>
           </a:p>
           <a:p>
             <a:pPr marL="0" lvl="1" indent="0" algn="ctr">
               <a:buNone/>
             </a:pPr>
             <a:r>
-              <a:rPr lang="en-US" sz="1400" dirty="0" smtClean="0"/>
+              <a:rPr lang="en-US" sz="1400" dirty="0"/>
               <a:t>&lt;</a:t>
             </a:r>
             <a:r>
@@ -16235,7 +15972,6 @@
               <a:rPr lang="en-US" sz="1400" dirty="0"/>
               <a:t> &lt;wordnet_person_100007846&gt; .</a:t>
             </a:r>
-            <a:endParaRPr lang="en-US" sz="1400" dirty="0" smtClean="0"/>
           </a:p>
         </p:txBody>
       </p:sp>
@@ -16407,11 +16143,11 @@
               <a:buNone/>
             </a:pPr>
             <a:r>
-              <a:rPr lang="en-US" sz="2800" dirty="0" err="1" smtClean="0"/>
+              <a:rPr lang="en-US" sz="2800" dirty="0" err="1"/>
               <a:t>Dbpedia</a:t>
             </a:r>
             <a:r>
-              <a:rPr lang="en-US" sz="2800" dirty="0" smtClean="0"/>
+              <a:rPr lang="en-US" sz="2800" dirty="0"/>
               <a:t> Ontology</a:t>
             </a:r>
           </a:p>
@@ -16480,38 +16216,28 @@
                   </a:schemeClr>
                 </a:solidFill>
               </a:rPr>
-              <a:t>a</a:t>
-            </a:r>
-            <a:r>
-              <a:rPr lang="en-US" sz="2000" dirty="0" smtClean="0">
-                <a:solidFill>
-                  <a:schemeClr val="accent3">
-                    <a:lumMod val="50000"/>
-                  </a:schemeClr>
-                </a:solidFill>
-              </a:rPr>
-              <a:t>ccurate</a:t>
+              <a:t>accurate</a:t>
             </a:r>
           </a:p>
           <a:p>
             <a:pPr marL="0" indent="0">
               <a:buNone/>
             </a:pPr>
-            <a:endParaRPr lang="en-US" sz="1800" dirty="0" smtClean="0"/>
+            <a:endParaRPr lang="en-US" sz="1800" dirty="0"/>
           </a:p>
           <a:p>
             <a:pPr marL="0" lvl="1" indent="0" algn="ctr">
               <a:buNone/>
             </a:pPr>
             <a:r>
-              <a:rPr lang="en-US" sz="1800" dirty="0" smtClean="0"/>
+              <a:rPr lang="en-US" sz="1800" dirty="0"/>
               <a:t>Manually constructed; </a:t>
             </a:r>
             <a:br>
-              <a:rPr lang="en-US" sz="1800" dirty="0" smtClean="0"/>
+              <a:rPr lang="en-US" sz="1800" dirty="0"/>
             </a:br>
             <a:r>
-              <a:rPr lang="en-US" sz="1800" dirty="0" smtClean="0"/>
+              <a:rPr lang="en-US" sz="1800" dirty="0"/>
               <a:t>Only 685 classes</a:t>
             </a:r>
           </a:p>
@@ -16685,14 +16411,14 @@
               <a:buNone/>
             </a:pPr>
             <a:r>
-              <a:rPr lang="en-US" sz="2800" dirty="0" err="1" smtClean="0"/>
+              <a:rPr lang="en-US" sz="2800" dirty="0" err="1"/>
               <a:t>Wikidata</a:t>
             </a:r>
             <a:r>
-              <a:rPr lang="en-US" sz="2800" dirty="0" smtClean="0"/>
+              <a:rPr lang="en-US" sz="2800" dirty="0"/>
               <a:t> Class Hierarchy</a:t>
             </a:r>
-            <a:endParaRPr lang="el-GR" sz="2000" dirty="0" smtClean="0">
+            <a:endParaRPr lang="el-GR" sz="2000" dirty="0">
               <a:solidFill>
                 <a:schemeClr val="accent2">
                   <a:lumMod val="50000"/>
@@ -16706,7 +16432,7 @@
               <a:buChar char="ü"/>
             </a:pPr>
             <a:r>
-              <a:rPr lang="en-US" sz="2000" dirty="0" smtClean="0">
+              <a:rPr lang="en-US" sz="2000" dirty="0">
                 <a:solidFill>
                   <a:schemeClr val="accent3">
                     <a:lumMod val="50000"/>
@@ -16716,7 +16442,7 @@
               <a:t>rich</a:t>
             </a:r>
             <a:r>
-              <a:rPr lang="el-GR" sz="2000" dirty="0" smtClean="0">
+              <a:rPr lang="el-GR" sz="2000" dirty="0">
                 <a:solidFill>
                   <a:schemeClr val="accent3">
                     <a:lumMod val="50000"/>
@@ -16726,7 +16452,7 @@
               <a:t>, </a:t>
             </a:r>
             <a:r>
-              <a:rPr lang="en-US" sz="2000" dirty="0" smtClean="0">
+              <a:rPr lang="en-US" sz="2000" dirty="0">
                 <a:solidFill>
                   <a:schemeClr val="accent3">
                     <a:lumMod val="50000"/>
@@ -16735,7 +16461,7 @@
               </a:rPr>
               <a:t>evolving as fast as the Web</a:t>
             </a:r>
-            <a:endParaRPr lang="el-GR" sz="2000" dirty="0" smtClean="0">
+            <a:endParaRPr lang="el-GR" sz="2000" dirty="0">
               <a:solidFill>
                 <a:schemeClr val="accent3">
                   <a:lumMod val="50000"/>
@@ -16749,7 +16475,7 @@
               <a:buChar char="?"/>
             </a:pPr>
             <a:r>
-              <a:rPr lang="en-US" sz="2000" dirty="0" smtClean="0">
+              <a:rPr lang="en-US" sz="2000" dirty="0">
                 <a:solidFill>
                   <a:schemeClr val="accent3">
                     <a:lumMod val="50000"/>
@@ -16758,13 +16484,6 @@
               </a:rPr>
               <a:t>traversable</a:t>
             </a:r>
-            <a:endParaRPr lang="en-US" sz="2000" dirty="0">
-              <a:solidFill>
-                <a:schemeClr val="accent3">
-                  <a:lumMod val="50000"/>
-                </a:schemeClr>
-              </a:solidFill>
-            </a:endParaRPr>
           </a:p>
           <a:p>
             <a:pPr>
@@ -16772,7 +16491,7 @@
               <a:buChar char="ü"/>
             </a:pPr>
             <a:r>
-              <a:rPr lang="en-US" sz="2000" dirty="0" smtClean="0">
+              <a:rPr lang="en-US" sz="2000" dirty="0">
                 <a:solidFill>
                   <a:schemeClr val="accent3">
                     <a:lumMod val="50000"/>
@@ -16781,27 +16500,27 @@
               </a:rPr>
               <a:t>accurate</a:t>
             </a:r>
-            <a:endParaRPr lang="en-US" sz="2000" dirty="0" smtClean="0"/>
+            <a:endParaRPr lang="en-US" sz="2000" dirty="0"/>
           </a:p>
           <a:p>
             <a:pPr marL="0" lvl="1" indent="0">
               <a:buNone/>
             </a:pPr>
-            <a:endParaRPr lang="en-US" sz="1800" dirty="0" smtClean="0"/>
+            <a:endParaRPr lang="en-US" sz="1800" dirty="0"/>
           </a:p>
           <a:p>
             <a:pPr marL="0" lvl="1" indent="0" algn="ctr">
               <a:buNone/>
             </a:pPr>
             <a:r>
-              <a:rPr lang="en-US" sz="1800" dirty="0" smtClean="0"/>
+              <a:rPr lang="en-US" sz="1800" dirty="0"/>
               <a:t>Crowdsourced schema; </a:t>
             </a:r>
             <a:br>
-              <a:rPr lang="en-US" sz="1800" dirty="0" smtClean="0"/>
+              <a:rPr lang="en-US" sz="1800" dirty="0"/>
             </a:br>
             <a:r>
-              <a:rPr lang="en-US" sz="1800" dirty="0" smtClean="0"/>
+              <a:rPr lang="en-US" sz="1800" dirty="0"/>
               <a:t>No tree structure</a:t>
             </a:r>
           </a:p>
@@ -16975,10 +16694,10 @@
               <a:buNone/>
             </a:pPr>
             <a:r>
-              <a:rPr lang="en-US" sz="2800" dirty="0" err="1" smtClean="0"/>
+              <a:rPr lang="en-US" sz="2800" dirty="0" err="1"/>
               <a:t>schema.org</a:t>
             </a:r>
-            <a:endParaRPr lang="en-US" sz="2800" dirty="0" smtClean="0"/>
+            <a:endParaRPr lang="en-US" sz="2800" dirty="0"/>
           </a:p>
           <a:p>
             <a:pPr>
@@ -17029,7 +16748,7 @@
               <a:buChar char="ü"/>
             </a:pPr>
             <a:r>
-              <a:rPr lang="en-US" sz="2000" dirty="0" smtClean="0">
+              <a:rPr lang="en-US" sz="2000" dirty="0">
                 <a:solidFill>
                   <a:schemeClr val="accent3">
                     <a:lumMod val="50000"/>
@@ -17045,7 +16764,7 @@
               <a:buChar char="ü"/>
             </a:pPr>
             <a:r>
-              <a:rPr lang="en-US" sz="2000" dirty="0" smtClean="0">
+              <a:rPr lang="en-US" sz="2000" dirty="0">
                 <a:solidFill>
                   <a:schemeClr val="accent3">
                     <a:lumMod val="50000"/>
@@ -17060,35 +16779,25 @@
             <a:pPr marL="0" lvl="1" indent="0">
               <a:buNone/>
             </a:pPr>
-            <a:endParaRPr lang="en-US" sz="1800" dirty="0" smtClean="0"/>
+            <a:endParaRPr lang="en-US" sz="1800" dirty="0"/>
           </a:p>
           <a:p>
             <a:pPr marL="0" lvl="1" indent="0" algn="ctr">
               <a:buNone/>
             </a:pPr>
             <a:r>
-              <a:rPr lang="en-US" sz="1800" dirty="0" smtClean="0"/>
-              <a:t>Manually </a:t>
-            </a:r>
-            <a:r>
               <a:rPr lang="en-US" sz="1800" dirty="0"/>
-              <a:t>constructed;</a:t>
-            </a:r>
-            <a:endParaRPr lang="en-US" sz="1800" dirty="0" smtClean="0"/>
+              <a:t>Manually constructed;</a:t>
+            </a:r>
           </a:p>
           <a:p>
             <a:pPr marL="0" lvl="1" indent="0" algn="ctr">
               <a:buNone/>
             </a:pPr>
             <a:r>
-              <a:rPr lang="en-US" sz="1800" dirty="0" smtClean="0"/>
-              <a:t>Used </a:t>
-            </a:r>
-            <a:r>
               <a:rPr lang="en-US" sz="1800" dirty="0"/>
-              <a:t>by billions of web pages</a:t>
-            </a:r>
-            <a:endParaRPr lang="en-US" sz="1800" dirty="0" smtClean="0"/>
+              <a:t>Used by billions of web pages</a:t>
+            </a:r>
           </a:p>
         </p:txBody>
       </p:sp>
@@ -17123,18 +16832,7 @@
                 <a:ea typeface="Chalkduster" charset="0"/>
                 <a:cs typeface="Chalkduster" charset="0"/>
               </a:rPr>
-              <a:t>d</a:t>
-            </a:r>
-            <a:r>
-              <a:rPr lang="en-US" sz="2400" b="1" dirty="0" err="1" smtClean="0">
-                <a:solidFill>
-                  <a:srgbClr val="C00000"/>
-                </a:solidFill>
-                <a:latin typeface="Chalkduster" charset="0"/>
-                <a:ea typeface="Chalkduster" charset="0"/>
-                <a:cs typeface="Chalkduster" charset="0"/>
-              </a:rPr>
-              <a:t>eepschema.org</a:t>
+              <a:t>deepschema.org</a:t>
             </a:r>
             <a:endParaRPr lang="en-US" sz="2400" b="1" dirty="0">
               <a:solidFill>
@@ -17753,11 +17451,11 @@
           <a:lstStyle/>
           <a:p>
             <a:r>
-              <a:rPr lang="en-US" dirty="0" err="1" smtClean="0"/>
+              <a:rPr lang="en-US" dirty="0" err="1"/>
               <a:t>Wikidata</a:t>
             </a:r>
             <a:r>
-              <a:rPr lang="en-US" dirty="0" smtClean="0"/>
+              <a:rPr lang="en-US" dirty="0"/>
               <a:t> Class Hierarchy</a:t>
             </a:r>
           </a:p>
@@ -17779,7 +17477,7 @@
           <a:lstStyle/>
           <a:p>
             <a:r>
-              <a:rPr lang="en-US" smtClean="0"/>
+              <a:rPr lang="en-US"/>
               <a:t>03/04/2017</a:t>
             </a:r>
             <a:endParaRPr lang="en-US" dirty="0"/>
@@ -17802,7 +17500,7 @@
           <a:lstStyle/>
           <a:p>
             <a:r>
-              <a:rPr lang="en-US" smtClean="0"/>
+              <a:rPr lang="en-US"/>
               <a:t>deepschema.org: An Ontology for Typing Entities in the Web of Data</a:t>
             </a:r>
             <a:endParaRPr lang="en-US" dirty="0"/>
@@ -17843,13 +17541,6 @@
   <p:clrMapOvr>
     <a:masterClrMapping/>
   </p:clrMapOvr>
-  <p:timing>
-    <p:tnLst>
-      <p:par>
-        <p:cTn id="1" dur="indefinite" restart="never" nodeType="tmRoot"/>
-      </p:par>
-    </p:tnLst>
-  </p:timing>
 </p:sld>
 </file>
 
@@ -17893,13 +17584,8 @@
             </a:r>
             <a:r>
               <a:rPr lang="en-US" dirty="0"/>
-              <a:t> Class </a:t>
-            </a:r>
-            <a:r>
-              <a:rPr lang="en-US" dirty="0" smtClean="0"/>
-              <a:t>Hierarchy</a:t>
-            </a:r>
-            <a:endParaRPr lang="en-US" dirty="0"/>
+              <a:t> Class Hierarchy</a:t>
+            </a:r>
           </a:p>
         </p:txBody>
       </p:sp>
@@ -17919,7 +17605,7 @@
           <a:lstStyle/>
           <a:p>
             <a:r>
-              <a:rPr lang="en-US" smtClean="0"/>
+              <a:rPr lang="en-US"/>
               <a:t>03/04/2017</a:t>
             </a:r>
             <a:endParaRPr lang="en-US" dirty="0"/>
@@ -17942,7 +17628,7 @@
           <a:lstStyle/>
           <a:p>
             <a:r>
-              <a:rPr lang="en-US" smtClean="0"/>
+              <a:rPr lang="en-US"/>
               <a:t>deepschema.org: An Ontology for Typing Entities in the Web of Data</a:t>
             </a:r>
             <a:endParaRPr lang="en-US" dirty="0"/>
@@ -17999,32 +17685,32 @@
               <a:buNone/>
             </a:pPr>
             <a:r>
-              <a:rPr lang="en-US" b="1" dirty="0" smtClean="0"/>
+              <a:rPr lang="en-US" b="1" dirty="0"/>
               <a:t>Extraction Phase</a:t>
             </a:r>
-            <a:endParaRPr lang="el-GR" b="1" dirty="0" smtClean="0"/>
-          </a:p>
-          <a:p>
-            <a:endParaRPr lang="en-US" b="1" dirty="0" smtClean="0"/>
+            <a:endParaRPr lang="el-GR" b="1" dirty="0"/>
+          </a:p>
+          <a:p>
+            <a:endParaRPr lang="en-US" b="1" dirty="0"/>
           </a:p>
           <a:p>
             <a:pPr marL="0" indent="0" algn="ctr">
               <a:buNone/>
             </a:pPr>
             <a:r>
-              <a:rPr lang="en-US" sz="2000" dirty="0" smtClean="0"/>
+              <a:rPr lang="en-US" sz="2000" dirty="0"/>
               <a:t>RDFS Entailment Rules</a:t>
             </a:r>
           </a:p>
           <a:p>
-            <a:endParaRPr lang="en-US" dirty="0" smtClean="0"/>
+            <a:endParaRPr lang="en-US" dirty="0"/>
           </a:p>
           <a:p>
             <a:pPr marL="57150" indent="0">
               <a:buNone/>
             </a:pPr>
             <a:r>
-              <a:rPr lang="en-US" sz="1400" dirty="0" smtClean="0"/>
+              <a:rPr lang="en-US" sz="1400" dirty="0"/>
               <a:t>			</a:t>
             </a:r>
           </a:p>
@@ -18038,7 +17724,7 @@
             <a:pPr marL="57150" indent="0">
               <a:buNone/>
             </a:pPr>
-            <a:endParaRPr lang="en-US" sz="1400" dirty="0" smtClean="0"/>
+            <a:endParaRPr lang="en-US" sz="1400" dirty="0"/>
           </a:p>
           <a:p>
             <a:pPr marL="57150" indent="0">
@@ -18050,7 +17736,7 @@
             <a:pPr marL="57150" indent="0">
               <a:buNone/>
             </a:pPr>
-            <a:endParaRPr lang="en-US" sz="1400" dirty="0" smtClean="0"/>
+            <a:endParaRPr lang="en-US" sz="1400" dirty="0"/>
           </a:p>
           <a:p>
             <a:pPr marL="57150" indent="0">
@@ -18062,7 +17748,7 @@
             <a:pPr marL="57150" indent="0">
               <a:buNone/>
             </a:pPr>
-            <a:endParaRPr lang="en-US" sz="1100" dirty="0" smtClean="0"/>
+            <a:endParaRPr lang="en-US" sz="1100" dirty="0"/>
           </a:p>
           <a:p>
             <a:pPr marL="57150" indent="0">
@@ -18074,7 +17760,7 @@
             <a:pPr marL="57150" indent="0">
               <a:buNone/>
             </a:pPr>
-            <a:endParaRPr lang="en-US" sz="1100" dirty="0" smtClean="0"/>
+            <a:endParaRPr lang="en-US" sz="1100" dirty="0"/>
           </a:p>
           <a:p>
             <a:pPr marL="57150" indent="0">
@@ -18087,27 +17773,27 @@
               <a:buNone/>
             </a:pPr>
             <a:r>
-              <a:rPr lang="en-US" sz="1100" dirty="0" smtClean="0"/>
+              <a:rPr lang="en-US" sz="1100" dirty="0"/>
               <a:t>A </a:t>
             </a:r>
             <a:r>
-              <a:rPr lang="en-US" sz="1100" dirty="0" err="1" smtClean="0"/>
+              <a:rPr lang="en-US" sz="1100" dirty="0" err="1"/>
               <a:t>rdf:type</a:t>
             </a:r>
             <a:r>
-              <a:rPr lang="en-US" sz="1100" dirty="0" smtClean="0"/>
+              <a:rPr lang="en-US" sz="1100" dirty="0"/>
               <a:t> B </a:t>
             </a:r>
             <a:r>
-              <a:rPr lang="nb-NO" sz="1100" dirty="0" smtClean="0"/>
+              <a:rPr lang="nb-NO" sz="1100" dirty="0"/>
               <a:t>⇒ </a:t>
             </a:r>
             <a:r>
-              <a:rPr lang="nb-NO" sz="1100" dirty="0" err="1" smtClean="0"/>
+              <a:rPr lang="nb-NO" sz="1100" dirty="0" err="1"/>
               <a:t>class</a:t>
             </a:r>
             <a:r>
-              <a:rPr lang="nb-NO" sz="1100" dirty="0" smtClean="0"/>
+              <a:rPr lang="nb-NO" sz="1100" dirty="0"/>
               <a:t>(B)</a:t>
             </a:r>
             <a:endParaRPr lang="en-US" sz="1100" dirty="0"/>
@@ -18117,59 +17803,43 @@
               <a:buNone/>
             </a:pPr>
             <a:r>
-              <a:rPr lang="en-US" sz="1100" dirty="0" smtClean="0"/>
+              <a:rPr lang="en-US" sz="1100" dirty="0"/>
               <a:t>A </a:t>
             </a:r>
             <a:r>
-              <a:rPr lang="en-US" sz="1100" dirty="0" err="1" smtClean="0"/>
+              <a:rPr lang="en-US" sz="1100" dirty="0" err="1"/>
               <a:t>rdfs:subClassOf</a:t>
             </a:r>
             <a:r>
-              <a:rPr lang="en-US" sz="1100" dirty="0" smtClean="0"/>
-              <a:t> </a:t>
-            </a:r>
-            <a:r>
               <a:rPr lang="en-US" sz="1100" dirty="0"/>
-              <a:t>B</a:t>
-            </a:r>
-            <a:r>
-              <a:rPr lang="en-US" sz="1100" dirty="0" smtClean="0"/>
-              <a:t> </a:t>
+              <a:t> B </a:t>
             </a:r>
             <a:r>
               <a:rPr lang="nb-NO" sz="1100" dirty="0"/>
               <a:t>⇒ </a:t>
             </a:r>
             <a:r>
-              <a:rPr lang="nb-NO" sz="1100" dirty="0" err="1" smtClean="0"/>
+              <a:rPr lang="nb-NO" sz="1100" dirty="0" err="1"/>
               <a:t>class</a:t>
             </a:r>
             <a:r>
-              <a:rPr lang="nb-NO" sz="1100" dirty="0" smtClean="0"/>
-              <a:t>(</a:t>
-            </a:r>
-            <a:r>
               <a:rPr lang="nb-NO" sz="1100" dirty="0"/>
-              <a:t>A</a:t>
-            </a:r>
-            <a:r>
-              <a:rPr lang="nb-NO" sz="1100" dirty="0" smtClean="0"/>
-              <a:t>) ∧ </a:t>
-            </a:r>
-            <a:r>
-              <a:rPr lang="nb-NO" sz="1100" dirty="0" err="1" smtClean="0"/>
+              <a:t>(A) ∧ </a:t>
+            </a:r>
+            <a:r>
+              <a:rPr lang="nb-NO" sz="1100" dirty="0" err="1"/>
               <a:t>class</a:t>
             </a:r>
             <a:r>
-              <a:rPr lang="nb-NO" sz="1100" dirty="0" smtClean="0"/>
+              <a:rPr lang="nb-NO" sz="1100" dirty="0"/>
               <a:t>(B) ∧ </a:t>
             </a:r>
             <a:r>
-              <a:rPr lang="nb-NO" sz="1100" dirty="0" err="1" smtClean="0"/>
+              <a:rPr lang="nb-NO" sz="1100" dirty="0" err="1"/>
               <a:t>subclass</a:t>
             </a:r>
             <a:r>
-              <a:rPr lang="nb-NO" sz="1100" dirty="0" smtClean="0"/>
+              <a:rPr lang="nb-NO" sz="1100" dirty="0"/>
               <a:t>(A, B)</a:t>
             </a:r>
             <a:endParaRPr lang="en-US" sz="1100" dirty="0"/>
@@ -18178,37 +17848,29 @@
             <a:pPr marL="57150" indent="0">
               <a:buNone/>
             </a:pPr>
-            <a:endParaRPr lang="en-US" sz="1100" dirty="0" smtClean="0"/>
+            <a:endParaRPr lang="en-US" sz="1100" dirty="0"/>
           </a:p>
           <a:p>
             <a:pPr marL="57150" indent="0">
               <a:buNone/>
             </a:pPr>
             <a:r>
-              <a:rPr lang="en-US" sz="1100" dirty="0" err="1" smtClean="0"/>
+              <a:rPr lang="en-US" sz="1100" dirty="0" err="1"/>
               <a:t>rdfs:subClassOf</a:t>
             </a:r>
             <a:r>
-              <a:rPr lang="en-US" sz="1100" dirty="0" smtClean="0"/>
-              <a:t> </a:t>
-            </a:r>
-            <a:r>
               <a:rPr lang="en-US" sz="1100" dirty="0"/>
-              <a:t>≡</a:t>
-            </a:r>
-            <a:r>
-              <a:rPr lang="en-US" sz="1100" dirty="0" smtClean="0">
+              <a:t> ≡</a:t>
+            </a:r>
+            <a:r>
+              <a:rPr lang="en-US" sz="1100" dirty="0">
                 <a:sym typeface="Wingdings"/>
               </a:rPr>
               <a:t> </a:t>
             </a:r>
             <a:r>
               <a:rPr lang="en-US" sz="1100" dirty="0"/>
-              <a:t>P279 (subclass of)</a:t>
-            </a:r>
-            <a:r>
-              <a:rPr lang="en-US" sz="1100" dirty="0" smtClean="0"/>
-              <a:t> </a:t>
+              <a:t>P279 (subclass of) </a:t>
             </a:r>
           </a:p>
           <a:p>
@@ -18216,30 +17878,22 @@
               <a:buNone/>
             </a:pPr>
             <a:r>
-              <a:rPr lang="en-US" sz="1100" dirty="0" err="1" smtClean="0"/>
+              <a:rPr lang="en-US" sz="1100" dirty="0" err="1"/>
               <a:t>rdfs:type</a:t>
             </a:r>
             <a:r>
-              <a:rPr lang="en-US" sz="1100" dirty="0" smtClean="0"/>
-              <a:t> </a:t>
-            </a:r>
-            <a:r>
               <a:rPr lang="en-US" sz="1100" dirty="0"/>
-              <a:t>≡</a:t>
-            </a:r>
-            <a:r>
-              <a:rPr lang="en-US" sz="1100" dirty="0" smtClean="0">
+              <a:t> ≡</a:t>
+            </a:r>
+            <a:r>
+              <a:rPr lang="en-US" sz="1100" dirty="0">
                 <a:sym typeface="Wingdings"/>
               </a:rPr>
               <a:t> </a:t>
             </a:r>
             <a:r>
-              <a:rPr lang="en-US" sz="1100" dirty="0" smtClean="0"/>
-              <a:t>P31 </a:t>
-            </a:r>
-            <a:r>
               <a:rPr lang="en-US" sz="1100" dirty="0"/>
-              <a:t>(instance of) </a:t>
+              <a:t>P31 (instance of) </a:t>
             </a:r>
           </a:p>
         </p:txBody>
@@ -18552,18 +18206,13 @@
             <a:p>
               <a:pPr algn="ctr"/>
               <a:r>
-                <a:rPr lang="en-US" dirty="0" smtClean="0">
+                <a:rPr lang="en-US" dirty="0">
                   <a:solidFill>
                     <a:schemeClr val="accent2"/>
                   </a:solidFill>
                 </a:rPr>
                 <a:t>A</a:t>
               </a:r>
-              <a:endParaRPr lang="en-US" dirty="0">
-                <a:solidFill>
-                  <a:schemeClr val="accent2"/>
-                </a:solidFill>
-              </a:endParaRPr>
             </a:p>
           </p:txBody>
         </p:sp>
@@ -18604,18 +18253,13 @@
             <a:p>
               <a:pPr algn="ctr"/>
               <a:r>
-                <a:rPr lang="en-US" dirty="0" smtClean="0">
+                <a:rPr lang="en-US" dirty="0">
                   <a:solidFill>
                     <a:schemeClr val="accent2"/>
                   </a:solidFill>
                 </a:rPr>
                 <a:t>A</a:t>
               </a:r>
-              <a:endParaRPr lang="en-US" dirty="0">
-                <a:solidFill>
-                  <a:schemeClr val="accent2"/>
-                </a:solidFill>
-              </a:endParaRPr>
             </a:p>
           </p:txBody>
         </p:sp>
@@ -18728,34 +18372,13 @@
           <a:p>
             <a:pPr algn="ctr"/>
             <a:r>
-              <a:rPr lang="en-US" sz="2400" dirty="0" smtClean="0">
-                <a:latin typeface="Helvetica" charset="0"/>
-                <a:ea typeface="Helvetica" charset="0"/>
-                <a:cs typeface="Helvetica" charset="0"/>
-              </a:rPr>
-              <a:t>Classes </a:t>
-            </a:r>
-            <a:r>
               <a:rPr lang="en-US" sz="2400" dirty="0">
                 <a:latin typeface="Helvetica" charset="0"/>
                 <a:ea typeface="Helvetica" charset="0"/>
                 <a:cs typeface="Helvetica" charset="0"/>
               </a:rPr>
-              <a:t>with no English </a:t>
-            </a:r>
-            <a:r>
-              <a:rPr lang="en-US" sz="2400" dirty="0" smtClean="0">
-                <a:latin typeface="Helvetica" charset="0"/>
-                <a:ea typeface="Helvetica" charset="0"/>
-                <a:cs typeface="Helvetica" charset="0"/>
-              </a:rPr>
-              <a:t>label</a:t>
-            </a:r>
-            <a:endParaRPr lang="en-US" sz="2400" dirty="0">
-              <a:latin typeface="Helvetica" charset="0"/>
-              <a:ea typeface="Helvetica" charset="0"/>
-              <a:cs typeface="Helvetica" charset="0"/>
-            </a:endParaRPr>
+              <a:t>Classes with no English label</a:t>
+            </a:r>
           </a:p>
         </p:txBody>
       </p:sp>
@@ -18784,10 +18407,10 @@
             <p:nvPr/>
           </p:nvPicPr>
           <p:blipFill>
-            <a:blip r:embed="rId3">
+            <a:blip r:embed="rId3" cstate="hqprint">
               <a:extLst>
                 <a:ext uri="{28A0092B-C50C-407E-A947-70E740481C1C}">
-                  <a14:useLocalDpi xmlns:a14="http://schemas.microsoft.com/office/drawing/2010/main" val="0"/>
+                  <a14:useLocalDpi xmlns:a14="http://schemas.microsoft.com/office/drawing/2010/main"/>
                 </a:ext>
               </a:extLst>
             </a:blip>
@@ -18814,10 +18437,10 @@
             <p:nvPr/>
           </p:nvPicPr>
           <p:blipFill>
-            <a:blip r:embed="rId4">
+            <a:blip r:embed="rId4" cstate="hqprint">
               <a:extLst>
                 <a:ext uri="{28A0092B-C50C-407E-A947-70E740481C1C}">
-                  <a14:useLocalDpi xmlns:a14="http://schemas.microsoft.com/office/drawing/2010/main" val="0"/>
+                  <a14:useLocalDpi xmlns:a14="http://schemas.microsoft.com/office/drawing/2010/main"/>
                 </a:ext>
               </a:extLst>
             </a:blip>
@@ -18909,34 +18532,10 @@
                 <a:ea typeface="Helvetica" charset="0"/>
                 <a:cs typeface="Helvetica" charset="0"/>
               </a:rPr>
-              <a:t>O</a:t>
-            </a:r>
-            <a:r>
-              <a:rPr lang="en-US" sz="2400" dirty="0" smtClean="0">
-                <a:latin typeface="Helvetica" charset="0"/>
-                <a:ea typeface="Helvetica" charset="0"/>
-                <a:cs typeface="Helvetica" charset="0"/>
-              </a:rPr>
-              <a:t>ntologies </a:t>
-            </a:r>
-            <a:r>
-              <a:rPr lang="en-US" sz="2400" dirty="0">
-                <a:latin typeface="Helvetica" charset="0"/>
-                <a:ea typeface="Helvetica" charset="0"/>
-                <a:cs typeface="Helvetica" charset="0"/>
-              </a:rPr>
-              <a:t>from </a:t>
-            </a:r>
-            <a:r>
-              <a:rPr lang="en-US" sz="2400" dirty="0" smtClean="0">
-                <a:latin typeface="Helvetica" charset="0"/>
-                <a:ea typeface="Helvetica" charset="0"/>
-                <a:cs typeface="Helvetica" charset="0"/>
-              </a:rPr>
-              <a:t>domain-specific</a:t>
-            </a:r>
-            <a:r>
-              <a:rPr lang="el-GR" sz="2400" dirty="0" smtClean="0">
+              <a:t>Ontologies from domain-specific</a:t>
+            </a:r>
+            <a:r>
+              <a:rPr lang="el-GR" sz="2400" dirty="0">
                 <a:latin typeface="Helvetica" charset="0"/>
                 <a:ea typeface="Helvetica" charset="0"/>
                 <a:cs typeface="Helvetica" charset="0"/>
@@ -18944,7 +18543,7 @@
               <a:t> </a:t>
             </a:r>
             <a:r>
-              <a:rPr lang="en-US" sz="2400" dirty="0" smtClean="0">
+              <a:rPr lang="en-US" sz="2400" dirty="0">
                 <a:latin typeface="Helvetica" charset="0"/>
                 <a:ea typeface="Helvetica" charset="0"/>
                 <a:cs typeface="Helvetica" charset="0"/>
@@ -18979,10 +18578,10 @@
             <p:nvPr/>
           </p:nvPicPr>
           <p:blipFill>
-            <a:blip r:embed="rId3">
+            <a:blip r:embed="rId5" cstate="hqprint">
               <a:extLst>
                 <a:ext uri="{28A0092B-C50C-407E-A947-70E740481C1C}">
-                  <a14:useLocalDpi xmlns:a14="http://schemas.microsoft.com/office/drawing/2010/main" val="0"/>
+                  <a14:useLocalDpi xmlns:a14="http://schemas.microsoft.com/office/drawing/2010/main"/>
                 </a:ext>
               </a:extLst>
             </a:blip>
@@ -19009,7 +18608,7 @@
             <p:nvPr/>
           </p:nvPicPr>
           <p:blipFill>
-            <a:blip r:embed="rId5">
+            <a:blip r:embed="rId6" cstate="hqprint">
               <a:clrChange>
                 <a:clrFrom>
                   <a:srgbClr val="FFFFFF"/>
@@ -19020,6 +18619,11 @@
                   </a:srgbClr>
                 </a:clrTo>
               </a:clrChange>
+              <a:extLst>
+                <a:ext uri="{28A0092B-C50C-407E-A947-70E740481C1C}">
+                  <a14:useLocalDpi xmlns:a14="http://schemas.microsoft.com/office/drawing/2010/main"/>
+                </a:ext>
+              </a:extLst>
             </a:blip>
             <a:stretch>
               <a:fillRect/>
@@ -19044,7 +18648,7 @@
             <p:nvPr/>
           </p:nvPicPr>
           <p:blipFill>
-            <a:blip r:embed="rId6">
+            <a:blip r:embed="rId7" cstate="hqprint">
               <a:clrChange>
                 <a:clrFrom>
                   <a:srgbClr val="FFFFFF"/>
@@ -19055,6 +18659,11 @@
                   </a:srgbClr>
                 </a:clrTo>
               </a:clrChange>
+              <a:extLst>
+                <a:ext uri="{28A0092B-C50C-407E-A947-70E740481C1C}">
+                  <a14:useLocalDpi xmlns:a14="http://schemas.microsoft.com/office/drawing/2010/main"/>
+                </a:ext>
+              </a:extLst>
             </a:blip>
             <a:stretch>
               <a:fillRect/>
@@ -19235,10 +18844,10 @@
               <a:buNone/>
             </a:pPr>
             <a:r>
-              <a:rPr lang="en-US" b="1" dirty="0" smtClean="0"/>
+              <a:rPr lang="en-US" b="1" dirty="0"/>
               <a:t>Filtering Phase</a:t>
             </a:r>
-            <a:endParaRPr lang="en-US" dirty="0" smtClean="0"/>
+            <a:endParaRPr lang="en-US" dirty="0"/>
           </a:p>
           <a:p>
             <a:pPr marL="0" indent="0" algn="ctr">
@@ -19252,7 +18861,7 @@
               <a:buFont typeface="Arial" pitchFamily="34" charset="0"/>
               <a:buNone/>
             </a:pPr>
-            <a:endParaRPr lang="en-US" b="1" dirty="0" smtClean="0"/>
+            <a:endParaRPr lang="en-US" b="1" dirty="0"/>
           </a:p>
           <a:p>
             <a:pPr marL="0" indent="0" algn="ctr">
@@ -19266,7 +18875,7 @@
               <a:buFont typeface="Arial" pitchFamily="34" charset="0"/>
               <a:buNone/>
             </a:pPr>
-            <a:endParaRPr lang="en-US" b="1" dirty="0" smtClean="0"/>
+            <a:endParaRPr lang="en-US" b="1" dirty="0"/>
           </a:p>
           <a:p>
             <a:pPr marL="0" indent="0" algn="ctr">
@@ -19280,7 +18889,7 @@
               <a:buFont typeface="Arial" pitchFamily="34" charset="0"/>
               <a:buNone/>
             </a:pPr>
-            <a:endParaRPr lang="en-US" b="1" dirty="0" smtClean="0"/>
+            <a:endParaRPr lang="en-US" b="1" dirty="0"/>
           </a:p>
           <a:p>
             <a:pPr marL="0" indent="0" algn="ctr">
@@ -19294,20 +18903,20 @@
               <a:buFont typeface="Arial" pitchFamily="34" charset="0"/>
               <a:buNone/>
             </a:pPr>
-            <a:endParaRPr lang="en-US" b="1" dirty="0" smtClean="0"/>
+            <a:endParaRPr lang="en-US" b="1" dirty="0"/>
           </a:p>
           <a:p>
             <a:pPr marL="0" indent="0" algn="ctr">
               <a:buNone/>
             </a:pPr>
-            <a:endParaRPr lang="en-US" sz="1800" dirty="0" smtClean="0"/>
+            <a:endParaRPr lang="en-US" sz="1800" dirty="0"/>
           </a:p>
           <a:p>
             <a:pPr marL="0" indent="0" algn="ctr">
               <a:buNone/>
             </a:pPr>
             <a:r>
-              <a:rPr lang="en-US" sz="1700" dirty="0" smtClean="0"/>
+              <a:rPr lang="en-US" sz="1700" dirty="0"/>
               <a:t>Keep </a:t>
             </a:r>
             <a:r>
@@ -19316,13 +18925,8 @@
             </a:r>
             <a:r>
               <a:rPr lang="en-US" sz="1700" dirty="0"/>
-              <a:t> </a:t>
-            </a:r>
-            <a:r>
-              <a:rPr lang="en-US" sz="1700" dirty="0" smtClean="0"/>
-              <a:t>generic</a:t>
-            </a:r>
-            <a:endParaRPr lang="en-US" sz="1700" dirty="0"/>
+              <a:t> generic</a:t>
+            </a:r>
           </a:p>
         </p:txBody>
       </p:sp>
@@ -19366,13 +18970,6 @@
   <p:clrMapOvr>
     <a:masterClrMapping/>
   </p:clrMapOvr>
-  <p:timing>
-    <p:tnLst>
-      <p:par>
-        <p:cTn id="1" dur="indefinite" restart="never" nodeType="tmRoot"/>
-      </p:par>
-    </p:tnLst>
-  </p:timing>
 </p:sld>
 </file>
 
@@ -19411,18 +19008,9 @@
           <a:lstStyle/>
           <a:p>
             <a:r>
-              <a:rPr lang="en-US" dirty="0" smtClean="0"/>
-              <a:t>Structure of the Class </a:t>
-            </a:r>
-            <a:r>
               <a:rPr lang="en-US" dirty="0"/>
-              <a:t>H</a:t>
-            </a:r>
-            <a:r>
-              <a:rPr lang="en-US" dirty="0" smtClean="0"/>
-              <a:t>ierarchy</a:t>
-            </a:r>
-            <a:endParaRPr lang="en-US" dirty="0"/>
+              <a:t>Structure of the Class Hierarchy</a:t>
+            </a:r>
           </a:p>
         </p:txBody>
       </p:sp>
@@ -19442,7 +19030,7 @@
           <a:lstStyle/>
           <a:p>
             <a:r>
-              <a:rPr lang="en-US" smtClean="0"/>
+              <a:rPr lang="en-US"/>
               <a:t>03/04/2017</a:t>
             </a:r>
             <a:endParaRPr lang="en-US" dirty="0"/>
@@ -19465,7 +19053,7 @@
           <a:lstStyle/>
           <a:p>
             <a:r>
-              <a:rPr lang="en-US" smtClean="0"/>
+              <a:rPr lang="en-US"/>
               <a:t>deepschema.org: An Ontology for Typing Entities in the Web of Data</a:t>
             </a:r>
             <a:endParaRPr lang="en-US" dirty="0"/>
@@ -19513,56 +19101,56 @@
           </a:bodyPr>
           <a:lstStyle/>
           <a:p>
-            <a:endParaRPr lang="en-US" dirty="0" smtClean="0"/>
-          </a:p>
-          <a:p>
             <a:endParaRPr lang="en-US" dirty="0"/>
           </a:p>
           <a:p>
-            <a:endParaRPr lang="en-US" dirty="0" smtClean="0"/>
-          </a:p>
-          <a:p>
             <a:endParaRPr lang="en-US" dirty="0"/>
           </a:p>
           <a:p>
-            <a:endParaRPr lang="en-US" dirty="0" smtClean="0"/>
-          </a:p>
-          <a:p>
             <a:endParaRPr lang="en-US" dirty="0"/>
           </a:p>
           <a:p>
-            <a:endParaRPr lang="en-US" dirty="0" smtClean="0"/>
-          </a:p>
-          <a:p>
             <a:endParaRPr lang="en-US" dirty="0"/>
           </a:p>
           <a:p>
-            <a:endParaRPr lang="en-US" dirty="0" smtClean="0"/>
-          </a:p>
-          <a:p>
             <a:endParaRPr lang="en-US" dirty="0"/>
           </a:p>
           <a:p>
-            <a:endParaRPr lang="en-US" dirty="0" smtClean="0"/>
-          </a:p>
-          <a:p>
-            <a:endParaRPr lang="en-US" dirty="0" smtClean="0"/>
-          </a:p>
-          <a:p>
             <a:endParaRPr lang="en-US" dirty="0"/>
           </a:p>
           <a:p>
-            <a:endParaRPr lang="en-US" dirty="0" smtClean="0"/>
-          </a:p>
-          <a:p>
-            <a:endParaRPr lang="en-US" dirty="0" smtClean="0"/>
+            <a:endParaRPr lang="en-US" dirty="0"/>
+          </a:p>
+          <a:p>
+            <a:endParaRPr lang="en-US" dirty="0"/>
+          </a:p>
+          <a:p>
+            <a:endParaRPr lang="en-US" dirty="0"/>
+          </a:p>
+          <a:p>
+            <a:endParaRPr lang="en-US" dirty="0"/>
+          </a:p>
+          <a:p>
+            <a:endParaRPr lang="en-US" dirty="0"/>
+          </a:p>
+          <a:p>
+            <a:endParaRPr lang="en-US" dirty="0"/>
+          </a:p>
+          <a:p>
+            <a:endParaRPr lang="en-US" dirty="0"/>
+          </a:p>
+          <a:p>
+            <a:endParaRPr lang="en-US" dirty="0"/>
+          </a:p>
+          <a:p>
+            <a:endParaRPr lang="en-US" dirty="0"/>
           </a:p>
           <a:p>
             <a:pPr marL="0" indent="0" algn="ctr">
               <a:buNone/>
             </a:pPr>
             <a:r>
-              <a:rPr lang="en-US" b="1" dirty="0" smtClean="0">
+              <a:rPr lang="en-US" b="1" dirty="0">
                 <a:solidFill>
                   <a:schemeClr val="accent2"/>
                 </a:solidFill>
@@ -19570,7 +19158,7 @@
               <a:t>One</a:t>
             </a:r>
             <a:r>
-              <a:rPr lang="en-US" dirty="0" smtClean="0"/>
+              <a:rPr lang="en-US" dirty="0"/>
               <a:t> subgraph contains </a:t>
             </a:r>
             <a:r>
@@ -19583,45 +19171,20 @@
             </a:r>
             <a:r>
               <a:rPr lang="en-US" dirty="0"/>
-              <a:t> </a:t>
-            </a:r>
-            <a:r>
-              <a:rPr lang="en-US" dirty="0" smtClean="0"/>
-              <a:t>of </a:t>
+              <a:t> of the total classes and </a:t>
+            </a:r>
+            <a:r>
+              <a:rPr lang="en-US" b="1" dirty="0">
+                <a:solidFill>
+                  <a:schemeClr val="accent2"/>
+                </a:solidFill>
+              </a:rPr>
+              <a:t>97%</a:t>
             </a:r>
             <a:r>
               <a:rPr lang="en-US" dirty="0"/>
-              <a:t>the total classes and </a:t>
-            </a:r>
-            <a:r>
-              <a:rPr lang="en-US" b="1" dirty="0">
-                <a:solidFill>
-                  <a:schemeClr val="accent2"/>
-                </a:solidFill>
-              </a:rPr>
-              <a:t>97</a:t>
-            </a:r>
-            <a:r>
-              <a:rPr lang="en-US" b="1" dirty="0" smtClean="0">
-                <a:solidFill>
-                  <a:schemeClr val="accent2"/>
-                </a:solidFill>
-              </a:rPr>
-              <a:t>%</a:t>
-            </a:r>
-            <a:r>
-              <a:rPr lang="en-US" dirty="0" smtClean="0"/>
-              <a:t> </a:t>
-            </a:r>
-            <a:r>
-              <a:rPr lang="en-US" dirty="0"/>
-              <a:t>of the total subclass </a:t>
-            </a:r>
-            <a:r>
-              <a:rPr lang="en-US" dirty="0" smtClean="0"/>
-              <a:t>relations</a:t>
-            </a:r>
-            <a:endParaRPr lang="en-US" dirty="0"/>
+              <a:t> of the total subclass relations</a:t>
+            </a:r>
           </a:p>
         </p:txBody>
       </p:sp>
@@ -19650,8 +19213,20 @@
                 <a:tableStyleId>{21E4AEA4-8DFA-4A89-87EB-49C32662AFE0}</a:tableStyleId>
               </a:tblPr>
               <a:tblGrid>
-                <a:gridCol w="4876800"/>
-                <a:gridCol w="3657602"/>
+                <a:gridCol w="4876800">
+                  <a:extLst>
+                    <a:ext uri="{9D8B030D-6E8A-4147-A177-3AD203B41FA5}">
+                      <a16:colId xmlns:a16="http://schemas.microsoft.com/office/drawing/2014/main" val="20000"/>
+                    </a:ext>
+                  </a:extLst>
+                </a:gridCol>
+                <a:gridCol w="3657602">
+                  <a:extLst>
+                    <a:ext uri="{9D8B030D-6E8A-4147-A177-3AD203B41FA5}">
+                      <a16:colId xmlns:a16="http://schemas.microsoft.com/office/drawing/2014/main" val="20001"/>
+                    </a:ext>
+                  </a:extLst>
+                </a:gridCol>
               </a:tblGrid>
               <a:tr h="609600">
                 <a:tc>
@@ -19679,7 +19254,7 @@
                     <a:p>
                       <a:pPr algn="r"/>
                       <a:r>
-                        <a:rPr lang="is-IS" sz="2400" b="1" dirty="0" smtClean="0">
+                        <a:rPr lang="is-IS" sz="2400" b="1" dirty="0">
                           <a:effectLst/>
                           <a:latin typeface="Helvetica" charset="0"/>
                           <a:ea typeface="Helvetica" charset="0"/>
@@ -19688,7 +19263,7 @@
                         <a:t>123,033</a:t>
                       </a:r>
                       <a:r>
-                        <a:rPr lang="is-IS" sz="2400" dirty="0" smtClean="0">
+                        <a:rPr lang="is-IS" sz="2400" dirty="0">
                           <a:effectLst/>
                           <a:latin typeface="Helvetica" charset="0"/>
                           <a:ea typeface="Helvetica" charset="0"/>
@@ -19696,16 +19271,15 @@
                         </a:rPr>
                         <a:t> </a:t>
                       </a:r>
-                      <a:endParaRPr lang="is-IS" sz="2400" dirty="0">
-                        <a:effectLst/>
-                        <a:latin typeface="Helvetica" charset="0"/>
-                        <a:ea typeface="Helvetica" charset="0"/>
-                        <a:cs typeface="Helvetica" charset="0"/>
-                      </a:endParaRPr>
                     </a:p>
                   </a:txBody>
                   <a:tcPr anchor="ctr"/>
                 </a:tc>
+                <a:extLst>
+                  <a:ext uri="{0D108BD9-81ED-4DB2-BD59-A6C34878D82A}">
+                    <a16:rowId xmlns:a16="http://schemas.microsoft.com/office/drawing/2014/main" val="10000"/>
+                  </a:ext>
+                </a:extLst>
               </a:tr>
               <a:tr h="609600">
                 <a:tc>
@@ -19733,7 +19307,7 @@
                     <a:p>
                       <a:pPr algn="r"/>
                       <a:r>
-                        <a:rPr lang="is-IS" sz="2400" b="1" dirty="0" smtClean="0">
+                        <a:rPr lang="is-IS" sz="2400" b="1" dirty="0">
                           <a:effectLst/>
                           <a:latin typeface="Helvetica" charset="0"/>
                           <a:ea typeface="Helvetica" charset="0"/>
@@ -19741,16 +19315,15 @@
                         </a:rPr>
                         <a:t>126,688 </a:t>
                       </a:r>
-                      <a:endParaRPr lang="is-IS" sz="2400" b="1" dirty="0">
-                        <a:effectLst/>
-                        <a:latin typeface="Helvetica" charset="0"/>
-                        <a:ea typeface="Helvetica" charset="0"/>
-                        <a:cs typeface="Helvetica" charset="0"/>
-                      </a:endParaRPr>
                     </a:p>
                   </a:txBody>
                   <a:tcPr anchor="ctr"/>
                 </a:tc>
+                <a:extLst>
+                  <a:ext uri="{0D108BD9-81ED-4DB2-BD59-A6C34878D82A}">
+                    <a16:rowId xmlns:a16="http://schemas.microsoft.com/office/drawing/2014/main" val="10001"/>
+                  </a:ext>
+                </a:extLst>
               </a:tr>
               <a:tr h="609600">
                 <a:tc>
@@ -19759,7 +19332,7 @@
                     <a:lstStyle/>
                     <a:p>
                       <a:r>
-                        <a:rPr lang="en-US" sz="2400" dirty="0" smtClean="0">
+                        <a:rPr lang="en-US" sz="2400" dirty="0">
                           <a:effectLst/>
                           <a:latin typeface="Helvetica" charset="0"/>
                           <a:ea typeface="Helvetica" charset="0"/>
@@ -19778,7 +19351,7 @@
                     <a:p>
                       <a:pPr algn="r"/>
                       <a:r>
-                        <a:rPr lang="en-US" sz="2400" b="1" dirty="0" smtClean="0">
+                        <a:rPr lang="en-US" sz="2400" b="1" dirty="0">
                           <a:effectLst/>
                           <a:latin typeface="Helvetica" charset="0"/>
                           <a:ea typeface="Helvetica" charset="0"/>
@@ -19787,7 +19360,7 @@
                         <a:t>4</a:t>
                       </a:r>
                       <a:r>
-                        <a:rPr lang="el-GR" sz="2400" b="1" dirty="0" smtClean="0">
+                        <a:rPr lang="el-GR" sz="2400" b="1" dirty="0">
                           <a:effectLst/>
                           <a:latin typeface="Helvetica" charset="0"/>
                           <a:ea typeface="Helvetica" charset="0"/>
@@ -19796,7 +19369,7 @@
                         <a:t>,</a:t>
                       </a:r>
                       <a:r>
-                        <a:rPr lang="en-US" sz="2400" b="1" dirty="0" smtClean="0">
+                        <a:rPr lang="en-US" sz="2400" b="1" dirty="0">
                           <a:effectLst/>
                           <a:latin typeface="Helvetica" charset="0"/>
                           <a:ea typeface="Helvetica" charset="0"/>
@@ -19814,6 +19387,11 @@
                   </a:txBody>
                   <a:tcPr anchor="ctr"/>
                 </a:tc>
+                <a:extLst>
+                  <a:ext uri="{0D108BD9-81ED-4DB2-BD59-A6C34878D82A}">
+                    <a16:rowId xmlns:a16="http://schemas.microsoft.com/office/drawing/2014/main" val="10002"/>
+                  </a:ext>
+                </a:extLst>
               </a:tr>
               <a:tr h="609600">
                 <a:tc>
@@ -19841,7 +19419,7 @@
                     <a:p>
                       <a:pPr algn="r"/>
                       <a:r>
-                        <a:rPr lang="is-IS" sz="2400" dirty="0" smtClean="0">
+                        <a:rPr lang="is-IS" sz="2400" dirty="0">
                           <a:effectLst/>
                           <a:latin typeface="Helvetica" charset="0"/>
                           <a:ea typeface="Helvetica" charset="0"/>
@@ -19849,16 +19427,15 @@
                         </a:rPr>
                         <a:t>14,084 </a:t>
                       </a:r>
-                      <a:endParaRPr lang="is-IS" sz="2400" dirty="0">
-                        <a:effectLst/>
-                        <a:latin typeface="Helvetica" charset="0"/>
-                        <a:ea typeface="Helvetica" charset="0"/>
-                        <a:cs typeface="Helvetica" charset="0"/>
-                      </a:endParaRPr>
                     </a:p>
                   </a:txBody>
                   <a:tcPr anchor="ctr"/>
                 </a:tc>
+                <a:extLst>
+                  <a:ext uri="{0D108BD9-81ED-4DB2-BD59-A6C34878D82A}">
+                    <a16:rowId xmlns:a16="http://schemas.microsoft.com/office/drawing/2014/main" val="10003"/>
+                  </a:ext>
+                </a:extLst>
               </a:tr>
               <a:tr h="609600">
                 <a:tc>
@@ -19886,7 +19463,7 @@
                     <a:p>
                       <a:pPr algn="r"/>
                       <a:r>
-                        <a:rPr lang="fi-FI" sz="2400" dirty="0" smtClean="0">
+                        <a:rPr lang="fi-FI" sz="2400" dirty="0">
                           <a:effectLst/>
                           <a:latin typeface="Helvetica" charset="0"/>
                           <a:ea typeface="Helvetica" charset="0"/>
@@ -19894,16 +19471,15 @@
                         </a:rPr>
                         <a:t>102,434 </a:t>
                       </a:r>
-                      <a:endParaRPr lang="fi-FI" sz="2400" dirty="0">
-                        <a:effectLst/>
-                        <a:latin typeface="Helvetica" charset="0"/>
-                        <a:ea typeface="Helvetica" charset="0"/>
-                        <a:cs typeface="Helvetica" charset="0"/>
-                      </a:endParaRPr>
                     </a:p>
                   </a:txBody>
                   <a:tcPr anchor="ctr"/>
                 </a:tc>
+                <a:extLst>
+                  <a:ext uri="{0D108BD9-81ED-4DB2-BD59-A6C34878D82A}">
+                    <a16:rowId xmlns:a16="http://schemas.microsoft.com/office/drawing/2014/main" val="10004"/>
+                  </a:ext>
+                </a:extLst>
               </a:tr>
               <a:tr h="609600">
                 <a:tc>
@@ -19970,6 +19546,11 @@
                   </a:txBody>
                   <a:tcPr anchor="ctr"/>
                 </a:tc>
+                <a:extLst>
+                  <a:ext uri="{0D108BD9-81ED-4DB2-BD59-A6C34878D82A}">
+                    <a16:rowId xmlns:a16="http://schemas.microsoft.com/office/drawing/2014/main" val="10005"/>
+                  </a:ext>
+                </a:extLst>
               </a:tr>
               <a:tr h="609600">
                 <a:tc>
@@ -19993,23 +19574,8 @@
                           <a:ea typeface="Helvetica" charset="0"/>
                           <a:cs typeface="Helvetica" charset="0"/>
                         </a:rPr>
-                        <a:t> depth of </a:t>
+                        <a:t> depth of Hierarchy </a:t>
                       </a:r>
-                      <a:r>
-                        <a:rPr lang="en-US" sz="2400" dirty="0" smtClean="0">
-                          <a:effectLst/>
-                          <a:latin typeface="Helvetica" charset="0"/>
-                          <a:ea typeface="Helvetica" charset="0"/>
-                          <a:cs typeface="Helvetica" charset="0"/>
-                        </a:rPr>
-                        <a:t>Hierarchy </a:t>
-                      </a:r>
-                      <a:endParaRPr lang="en-US" sz="2400" dirty="0">
-                        <a:effectLst/>
-                        <a:latin typeface="Helvetica" charset="0"/>
-                        <a:ea typeface="Helvetica" charset="0"/>
-                        <a:cs typeface="Helvetica" charset="0"/>
-                      </a:endParaRPr>
                     </a:p>
                   </a:txBody>
                   <a:tcPr anchor="ctr"/>
@@ -20033,6 +19599,11 @@
                   </a:txBody>
                   <a:tcPr anchor="ctr"/>
                 </a:tc>
+                <a:extLst>
+                  <a:ext uri="{0D108BD9-81ED-4DB2-BD59-A6C34878D82A}">
+                    <a16:rowId xmlns:a16="http://schemas.microsoft.com/office/drawing/2014/main" val="10006"/>
+                  </a:ext>
+                </a:extLst>
               </a:tr>
             </a:tbl>
           </a:graphicData>
@@ -20048,13 +19619,6 @@
   <p:clrMapOvr>
     <a:masterClrMapping/>
   </p:clrMapOvr>
-  <p:timing>
-    <p:tnLst>
-      <p:par>
-        <p:cTn id="1" dur="indefinite" restart="never" nodeType="tmRoot"/>
-      </p:par>
-    </p:tnLst>
-  </p:timing>
 </p:sld>
 </file>
 
@@ -20093,18 +19657,17 @@
           <a:lstStyle/>
           <a:p>
             <a:r>
-              <a:rPr lang="en-US" dirty="0" smtClean="0"/>
+              <a:rPr lang="en-US" dirty="0"/>
               <a:t>Number of Instances per </a:t>
             </a:r>
             <a:r>
-              <a:rPr lang="en-US" dirty="0" err="1" smtClean="0"/>
+              <a:rPr lang="en-US" dirty="0" err="1"/>
               <a:t>Wikidata</a:t>
             </a:r>
             <a:r>
-              <a:rPr lang="en-US" dirty="0" smtClean="0"/>
+              <a:rPr lang="en-US" dirty="0"/>
               <a:t> Class</a:t>
             </a:r>
-            <a:endParaRPr lang="en-US" dirty="0"/>
           </a:p>
         </p:txBody>
       </p:sp>
@@ -20124,7 +19687,7 @@
           <a:lstStyle/>
           <a:p>
             <a:r>
-              <a:rPr lang="en-US" smtClean="0"/>
+              <a:rPr lang="en-US"/>
               <a:t>03/04/2017</a:t>
             </a:r>
             <a:endParaRPr lang="en-US" dirty="0"/>
@@ -20147,7 +19710,7 @@
           <a:lstStyle/>
           <a:p>
             <a:r>
-              <a:rPr lang="en-US" smtClean="0"/>
+              <a:rPr lang="en-US"/>
               <a:t>deepschema.org: An Ontology for Typing Entities in the Web of Data</a:t>
             </a:r>
             <a:endParaRPr lang="en-US" dirty="0"/>
@@ -20341,11 +19904,11 @@
               <a:buNone/>
             </a:pPr>
             <a:r>
-              <a:rPr lang="en-US" sz="2000" dirty="0" smtClean="0"/>
+              <a:rPr lang="en-US" sz="2000" dirty="0"/>
               <a:t>The first class with more </a:t>
             </a:r>
             <a:r>
-              <a:rPr lang="en-US" sz="2000" b="1" dirty="0" smtClean="0">
+              <a:rPr lang="en-US" sz="2000" b="1" dirty="0">
                 <a:solidFill>
                   <a:schemeClr val="accent2"/>
                 </a:solidFill>
@@ -20353,11 +19916,11 @@
               <a:t>direct</a:t>
             </a:r>
             <a:r>
-              <a:rPr lang="en-US" sz="2000" dirty="0" smtClean="0"/>
+              <a:rPr lang="en-US" sz="2000" dirty="0"/>
               <a:t> than </a:t>
             </a:r>
             <a:r>
-              <a:rPr lang="en-US" sz="2000" b="1" dirty="0" smtClean="0">
+              <a:rPr lang="en-US" sz="2000" b="1" dirty="0">
                 <a:solidFill>
                   <a:schemeClr val="accent2"/>
                 </a:solidFill>
@@ -20365,11 +19928,11 @@
               <a:t>inherited</a:t>
             </a:r>
             <a:r>
-              <a:rPr lang="en-US" sz="2000" dirty="0" smtClean="0"/>
+              <a:rPr lang="en-US" sz="2000" dirty="0"/>
               <a:t> instances is </a:t>
             </a:r>
             <a:r>
-              <a:rPr lang="en-US" sz="2000" b="1" i="1" dirty="0" smtClean="0">
+              <a:rPr lang="en-US" sz="2000" b="1" i="1" dirty="0">
                 <a:solidFill>
                   <a:schemeClr val="accent2"/>
                 </a:solidFill>
@@ -20418,13 +19981,6 @@
   <p:clrMapOvr>
     <a:masterClrMapping/>
   </p:clrMapOvr>
-  <p:timing>
-    <p:tnLst>
-      <p:par>
-        <p:cTn id="1" dur="indefinite" restart="never" nodeType="tmRoot"/>
-      </p:par>
-    </p:tnLst>
-  </p:timing>
 </p:sld>
 </file>
 
@@ -20463,18 +20019,17 @@
           <a:lstStyle/>
           <a:p>
             <a:r>
-              <a:rPr lang="en-US" dirty="0" smtClean="0"/>
+              <a:rPr lang="en-US" dirty="0"/>
               <a:t>Language Coverage of </a:t>
             </a:r>
             <a:r>
-              <a:rPr lang="en-US" dirty="0" err="1" smtClean="0"/>
+              <a:rPr lang="en-US" dirty="0" err="1"/>
               <a:t>Wikidata</a:t>
             </a:r>
             <a:r>
-              <a:rPr lang="en-US" dirty="0" smtClean="0"/>
+              <a:rPr lang="en-US" dirty="0"/>
               <a:t> Classes</a:t>
             </a:r>
-            <a:endParaRPr lang="en-US" dirty="0"/>
           </a:p>
         </p:txBody>
       </p:sp>
@@ -20494,7 +20049,7 @@
           <a:lstStyle/>
           <a:p>
             <a:r>
-              <a:rPr lang="en-US" smtClean="0"/>
+              <a:rPr lang="en-US"/>
               <a:t>03/04/2017</a:t>
             </a:r>
             <a:endParaRPr lang="en-US" dirty="0"/>
@@ -20517,7 +20072,7 @@
           <a:lstStyle/>
           <a:p>
             <a:r>
-              <a:rPr lang="en-US" smtClean="0"/>
+              <a:rPr lang="en-US"/>
               <a:t>deepschema.org: An Ontology for Typing Entities in the Web of Data</a:t>
             </a:r>
             <a:endParaRPr lang="en-US" dirty="0"/>
@@ -20603,32 +20158,10 @@
                 <a:ea typeface="Chalkduster" charset="0"/>
                 <a:cs typeface="Chalkduster" charset="0"/>
               </a:rPr>
-              <a:t>support </a:t>
-            </a:r>
-            <a:r>
-              <a:rPr lang="en-US" sz="2400" b="1" smtClean="0">
-                <a:solidFill>
-                  <a:srgbClr val="C00000"/>
-                </a:solidFill>
-                <a:latin typeface="Chalkduster" charset="0"/>
-                <a:ea typeface="Chalkduster" charset="0"/>
-                <a:cs typeface="Chalkduster" charset="0"/>
-              </a:rPr>
-              <a:t>of </a:t>
-            </a:r>
-            <a:r>
-              <a:rPr lang="en-US" sz="2400" b="1" dirty="0" smtClean="0">
-                <a:solidFill>
-                  <a:srgbClr val="C00000"/>
-                </a:solidFill>
-                <a:latin typeface="Chalkduster" charset="0"/>
-                <a:ea typeface="Chalkduster" charset="0"/>
-                <a:cs typeface="Chalkduster" charset="0"/>
-              </a:rPr>
-              <a:t/>
+              <a:t>support of </a:t>
             </a:r>
             <a:br>
-              <a:rPr lang="en-US" sz="2400" b="1" dirty="0" smtClean="0">
+              <a:rPr lang="en-US" sz="2400" b="1" dirty="0">
                 <a:solidFill>
                   <a:srgbClr val="C00000"/>
                 </a:solidFill>
@@ -20638,7 +20171,7 @@
               </a:rPr>
             </a:br>
             <a:r>
-              <a:rPr lang="en-US" sz="2400" b="1" smtClean="0">
+              <a:rPr lang="en-US" sz="2400" b="1">
                 <a:solidFill>
                   <a:srgbClr val="C00000"/>
                 </a:solidFill>
@@ -20649,7 +20182,7 @@
               <a:t>350 </a:t>
             </a:r>
             <a:br>
-              <a:rPr lang="en-US" sz="2400" b="1" smtClean="0">
+              <a:rPr lang="en-US" sz="2400" b="1">
                 <a:solidFill>
                   <a:srgbClr val="C00000"/>
                 </a:solidFill>
@@ -20659,7 +20192,7 @@
               </a:rPr>
             </a:br>
             <a:r>
-              <a:rPr lang="en-US" sz="2400" b="1" smtClean="0">
+              <a:rPr lang="en-US" sz="2400" b="1">
                 <a:solidFill>
                   <a:srgbClr val="C00000"/>
                 </a:solidFill>
@@ -20843,11 +20376,11 @@
               <a:buNone/>
             </a:pPr>
             <a:r>
-              <a:rPr lang="en-US" sz="2000" smtClean="0"/>
+              <a:rPr lang="en-US" sz="2000"/>
               <a:t>For a </a:t>
             </a:r>
             <a:r>
-              <a:rPr lang="en-US" sz="2000" b="1" i="1" dirty="0" smtClean="0">
+              <a:rPr lang="en-US" sz="2000" b="1" i="1" dirty="0">
                 <a:solidFill>
                   <a:schemeClr val="accent2"/>
                 </a:solidFill>
@@ -20855,11 +20388,11 @@
               <a:t>non-English</a:t>
             </a:r>
             <a:r>
-              <a:rPr lang="en-US" sz="2000" dirty="0" smtClean="0"/>
+              <a:rPr lang="en-US" sz="2000" dirty="0"/>
               <a:t> class hierarchy we get </a:t>
             </a:r>
             <a:r>
-              <a:rPr lang="en-US" sz="2000" b="1" i="1" dirty="0" smtClean="0">
+              <a:rPr lang="en-US" sz="2000" b="1" i="1" dirty="0">
                 <a:solidFill>
                   <a:schemeClr val="accent2"/>
                 </a:solidFill>
@@ -20867,10 +20400,9 @@
               <a:t>at least ~50%</a:t>
             </a:r>
             <a:r>
-              <a:rPr lang="en-US" sz="2000" dirty="0" smtClean="0"/>
+              <a:rPr lang="en-US" sz="2000" dirty="0"/>
               <a:t> loss of information</a:t>
             </a:r>
-            <a:endParaRPr lang="en-US" sz="2000" dirty="0"/>
           </a:p>
         </p:txBody>
       </p:sp>
@@ -20884,13 +20416,6 @@
   <p:clrMapOvr>
     <a:masterClrMapping/>
   </p:clrMapOvr>
-  <p:timing>
-    <p:tnLst>
-      <p:par>
-        <p:cTn id="1" dur="indefinite" restart="never" nodeType="tmRoot"/>
-      </p:par>
-    </p:tnLst>
-  </p:timing>
 </p:sld>
 </file>
 
@@ -20929,26 +20454,17 @@
           <a:lstStyle/>
           <a:p>
             <a:r>
-              <a:rPr lang="en-US" sz="2350" dirty="0" smtClean="0"/>
+              <a:rPr lang="en-US" sz="2350" dirty="0"/>
               <a:t>Number of Classes per </a:t>
             </a:r>
             <a:r>
-              <a:rPr lang="en-US" sz="2350" dirty="0" err="1" smtClean="0"/>
+              <a:rPr lang="en-US" sz="2350" dirty="0" err="1"/>
               <a:t>Wikidata</a:t>
             </a:r>
             <a:r>
-              <a:rPr lang="en-US" sz="2350" dirty="0" smtClean="0"/>
-              <a:t> External </a:t>
-            </a:r>
-            <a:r>
               <a:rPr lang="en-US" sz="2350" dirty="0"/>
-              <a:t>C</a:t>
-            </a:r>
-            <a:r>
-              <a:rPr lang="en-US" sz="2350" dirty="0" smtClean="0"/>
-              <a:t>ontributor</a:t>
-            </a:r>
-            <a:endParaRPr lang="en-US" sz="2350" dirty="0"/>
+              <a:t> External Contributor</a:t>
+            </a:r>
           </a:p>
         </p:txBody>
       </p:sp>
@@ -20968,7 +20484,7 @@
           <a:lstStyle/>
           <a:p>
             <a:r>
-              <a:rPr lang="en-US" smtClean="0"/>
+              <a:rPr lang="en-US"/>
               <a:t>03/04/2017</a:t>
             </a:r>
             <a:endParaRPr lang="en-US" dirty="0"/>
@@ -20991,7 +20507,7 @@
           <a:lstStyle/>
           <a:p>
             <a:r>
-              <a:rPr lang="en-US" smtClean="0"/>
+              <a:rPr lang="en-US"/>
               <a:t>deepschema.org: An Ontology for Typing Entities in the Web of Data</a:t>
             </a:r>
             <a:endParaRPr lang="en-US" dirty="0"/>
@@ -21209,7 +20725,7 @@
               <a:buNone/>
             </a:pPr>
             <a:r>
-              <a:rPr lang="en-US" sz="2000" b="1" i="1" smtClean="0">
+              <a:rPr lang="en-US" sz="2000" b="1" i="1">
                 <a:solidFill>
                   <a:schemeClr val="accent2"/>
                 </a:solidFill>
@@ -21217,11 +20733,11 @@
               <a:t>50%</a:t>
             </a:r>
             <a:r>
-              <a:rPr lang="en-US" sz="2000" smtClean="0"/>
+              <a:rPr lang="en-US" sz="2000"/>
               <a:t> of the classes has </a:t>
             </a:r>
             <a:r>
-              <a:rPr lang="en-US" sz="2000" b="1" i="1" smtClean="0">
+              <a:rPr lang="en-US" sz="2000" b="1" i="1">
                 <a:solidFill>
                   <a:schemeClr val="accent2"/>
                 </a:solidFill>
@@ -21229,7 +20745,7 @@
               <a:t>no provenance</a:t>
             </a:r>
             <a:r>
-              <a:rPr lang="en-US" sz="2000" smtClean="0"/>
+              <a:rPr lang="en-US" sz="2000"/>
               <a:t> information</a:t>
             </a:r>
             <a:endParaRPr lang="en-US" sz="2000" dirty="0">
@@ -21250,13 +20766,6 @@
   <p:clrMapOvr>
     <a:masterClrMapping/>
   </p:clrMapOvr>
-  <p:timing>
-    <p:tnLst>
-      <p:par>
-        <p:cTn id="1" dur="indefinite" restart="never" nodeType="tmRoot"/>
-      </p:par>
-    </p:tnLst>
-  </p:timing>
 </p:sld>
 </file>
 
